--- a/Project/Jigsaw Comments Classification.pptx
+++ b/Project/Jigsaw Comments Classification.pptx
@@ -970,7 +970,7 @@
         </p:nvSpPr>
         <p:spPr>
           <a:xfrm>
-            <a:off x="381300" y="685800"/>
+            <a:off x="381000" y="685800"/>
             <a:ext cx="6096000" cy="3429000"/>
           </a:xfrm>
           <a:custGeom>
@@ -1074,7 +1074,7 @@
         </p:nvSpPr>
         <p:spPr>
           <a:xfrm>
-            <a:off x="381300" y="685800"/>
+            <a:off x="381000" y="685800"/>
             <a:ext cx="6096000" cy="3429000"/>
           </a:xfrm>
           <a:custGeom>
@@ -1906,7 +1906,7 @@
         </p:nvSpPr>
         <p:spPr>
           <a:xfrm>
-            <a:off x="381300" y="685800"/>
+            <a:off x="381000" y="685800"/>
             <a:ext cx="6096000" cy="3429000"/>
           </a:xfrm>
           <a:custGeom>
@@ -2010,7 +2010,7 @@
         </p:nvSpPr>
         <p:spPr>
           <a:xfrm>
-            <a:off x="381300" y="685800"/>
+            <a:off x="381000" y="685800"/>
             <a:ext cx="6096000" cy="3429000"/>
           </a:xfrm>
           <a:custGeom>
@@ -2114,7 +2114,7 @@
         </p:nvSpPr>
         <p:spPr>
           <a:xfrm>
-            <a:off x="381300" y="685800"/>
+            <a:off x="381000" y="685800"/>
             <a:ext cx="6096000" cy="3429000"/>
           </a:xfrm>
           <a:custGeom>
@@ -2322,7 +2322,7 @@
         </p:nvSpPr>
         <p:spPr>
           <a:xfrm>
-            <a:off x="381300" y="685800"/>
+            <a:off x="381000" y="685800"/>
             <a:ext cx="6096000" cy="3429000"/>
           </a:xfrm>
           <a:custGeom>
@@ -2426,7 +2426,7 @@
         </p:nvSpPr>
         <p:spPr>
           <a:xfrm>
-            <a:off x="381300" y="685800"/>
+            <a:off x="381000" y="685800"/>
             <a:ext cx="6096000" cy="3429000"/>
           </a:xfrm>
           <a:custGeom>
@@ -2634,7 +2634,7 @@
         </p:nvSpPr>
         <p:spPr>
           <a:xfrm>
-            <a:off x="381300" y="685800"/>
+            <a:off x="381000" y="685800"/>
             <a:ext cx="6096000" cy="3429000"/>
           </a:xfrm>
           <a:custGeom>
@@ -8616,7 +8616,7 @@
               </a:spcAft>
               <a:buNone/>
             </a:pPr>
-            <a:endParaRPr/>
+            <a:endParaRPr dirty="0"/>
           </a:p>
           <a:p>
             <a:pPr marL="0" lvl="0" indent="0" algn="l" rtl="0">
@@ -8628,7 +8628,7 @@
               </a:spcAft>
               <a:buNone/>
             </a:pPr>
-            <a:endParaRPr/>
+            <a:endParaRPr dirty="0"/>
           </a:p>
           <a:p>
             <a:pPr marL="0" lvl="0" indent="0" algn="l" rtl="0">
@@ -8641,10 +8641,14 @@
               <a:buNone/>
             </a:pPr>
             <a:r>
-              <a:rPr lang="en"/>
+              <a:rPr lang="en" sz="2000" dirty="0">
+                <a:latin typeface="+mn-lt"/>
+              </a:rPr>
               <a:t>Clean comments</a:t>
             </a:r>
-            <a:endParaRPr/>
+            <a:endParaRPr sz="2000" dirty="0">
+              <a:latin typeface="+mn-lt"/>
+            </a:endParaRPr>
           </a:p>
         </p:txBody>
       </p:sp>
@@ -8806,10 +8810,14 @@
               <a:buNone/>
             </a:pPr>
             <a:r>
-              <a:rPr lang="en"/>
+              <a:rPr lang="en" sz="2400" dirty="0">
+                <a:latin typeface="+mj-lt"/>
+              </a:rPr>
               <a:t>TF-IDF + Logistic Regression</a:t>
             </a:r>
-            <a:endParaRPr/>
+            <a:endParaRPr sz="2400" dirty="0">
+              <a:latin typeface="+mj-lt"/>
+            </a:endParaRPr>
           </a:p>
           <a:p>
             <a:pPr marL="0" lvl="0" indent="0" algn="l" rtl="0">
@@ -8822,15 +8830,17 @@
               <a:buNone/>
             </a:pPr>
             <a:r>
-              <a:rPr lang="en"/>
+              <a:rPr lang="en" dirty="0">
+                <a:latin typeface="+mj-lt"/>
+              </a:rPr>
               <a:t>T</a:t>
             </a:r>
             <a:r>
-              <a:rPr lang="en">
+              <a:rPr lang="en" dirty="0">
                 <a:highlight>
                   <a:srgbClr val="FFFFFF"/>
                 </a:highlight>
-                <a:latin typeface="Arial"/>
+                <a:latin typeface="+mj-lt"/>
                 <a:ea typeface="Arial"/>
                 <a:cs typeface="Arial"/>
                 <a:sym typeface="Arial"/>
@@ -8838,45 +8848,57 @@
               <a:t>oxic                 ROC AUC: 0.9848232752849416</a:t>
             </a:r>
             <a:br>
-              <a:rPr lang="en">
+              <a:rPr lang="en" dirty="0">
                 <a:highlight>
                   <a:srgbClr val="FFFFFF"/>
                 </a:highlight>
-                <a:latin typeface="Arial"/>
+                <a:latin typeface="+mj-lt"/>
                 <a:ea typeface="Arial"/>
                 <a:cs typeface="Arial"/>
                 <a:sym typeface="Arial"/>
               </a:rPr>
             </a:br>
             <a:r>
-              <a:rPr lang="en">
+              <a:rPr lang="en" dirty="0" err="1">
                 <a:highlight>
                   <a:srgbClr val="FFFFFF"/>
                 </a:highlight>
-                <a:latin typeface="Arial"/>
+                <a:latin typeface="+mj-lt"/>
                 <a:ea typeface="Arial"/>
                 <a:cs typeface="Arial"/>
                 <a:sym typeface="Arial"/>
               </a:rPr>
-              <a:t>Severe_toxic     ROC AUC: 0.9921745527411732</a:t>
+              <a:t>Severe_toxic</a:t>
             </a:r>
-            <a:br>
-              <a:rPr lang="en">
+            <a:r>
+              <a:rPr lang="en" dirty="0">
                 <a:highlight>
                   <a:srgbClr val="FFFFFF"/>
                 </a:highlight>
-                <a:latin typeface="Arial"/>
+                <a:latin typeface="+mj-lt"/>
+                <a:ea typeface="Arial"/>
+                <a:cs typeface="Arial"/>
+                <a:sym typeface="Arial"/>
+              </a:rPr>
+              <a:t>     ROC AUC: 0.9921745527411732</a:t>
+            </a:r>
+            <a:br>
+              <a:rPr lang="en" dirty="0">
+                <a:highlight>
+                  <a:srgbClr val="FFFFFF"/>
+                </a:highlight>
+                <a:latin typeface="+mj-lt"/>
                 <a:ea typeface="Arial"/>
                 <a:cs typeface="Arial"/>
                 <a:sym typeface="Arial"/>
               </a:rPr>
             </a:br>
             <a:r>
-              <a:rPr lang="en">
+              <a:rPr lang="en" dirty="0">
                 <a:highlight>
                   <a:srgbClr val="FFFFFF"/>
                 </a:highlight>
-                <a:latin typeface="Arial"/>
+                <a:latin typeface="+mj-lt"/>
                 <a:ea typeface="Arial"/>
                 <a:cs typeface="Arial"/>
                 <a:sym typeface="Arial"/>
@@ -8884,22 +8906,22 @@
               <a:t>Obscene           ROC AUC: 0.9935666730984923</a:t>
             </a:r>
             <a:br>
-              <a:rPr lang="en">
+              <a:rPr lang="en" dirty="0">
                 <a:highlight>
                   <a:srgbClr val="FFFFFF"/>
                 </a:highlight>
-                <a:latin typeface="Arial"/>
+                <a:latin typeface="+mj-lt"/>
                 <a:ea typeface="Arial"/>
                 <a:cs typeface="Arial"/>
                 <a:sym typeface="Arial"/>
               </a:rPr>
             </a:br>
             <a:r>
-              <a:rPr lang="en">
+              <a:rPr lang="en" dirty="0">
                 <a:highlight>
                   <a:srgbClr val="FFFFFF"/>
                 </a:highlight>
-                <a:latin typeface="Arial"/>
+                <a:latin typeface="+mj-lt"/>
                 <a:ea typeface="Arial"/>
                 <a:cs typeface="Arial"/>
                 <a:sym typeface="Arial"/>
@@ -8907,22 +8929,22 @@
               <a:t>Threat               ROC AUC: 0.9944880553629133</a:t>
             </a:r>
             <a:br>
-              <a:rPr lang="en">
+              <a:rPr lang="en" dirty="0">
                 <a:highlight>
                   <a:srgbClr val="FFFFFF"/>
                 </a:highlight>
-                <a:latin typeface="Arial"/>
+                <a:latin typeface="+mj-lt"/>
                 <a:ea typeface="Arial"/>
                 <a:cs typeface="Arial"/>
                 <a:sym typeface="Arial"/>
               </a:rPr>
             </a:br>
             <a:r>
-              <a:rPr lang="en">
+              <a:rPr lang="en" dirty="0">
                 <a:highlight>
                   <a:srgbClr val="FFFFFF"/>
                 </a:highlight>
-                <a:latin typeface="Arial"/>
+                <a:latin typeface="+mj-lt"/>
                 <a:ea typeface="Arial"/>
                 <a:cs typeface="Arial"/>
                 <a:sym typeface="Arial"/>
@@ -8930,33 +8952,45 @@
               <a:t>Insult                 ROC AUC: 0.9879963066164954</a:t>
             </a:r>
             <a:br>
-              <a:rPr lang="en">
+              <a:rPr lang="en" dirty="0">
                 <a:highlight>
                   <a:srgbClr val="FFFFFF"/>
                 </a:highlight>
-                <a:latin typeface="Arial"/>
+                <a:latin typeface="+mj-lt"/>
                 <a:ea typeface="Arial"/>
                 <a:cs typeface="Arial"/>
                 <a:sym typeface="Arial"/>
               </a:rPr>
             </a:br>
             <a:r>
-              <a:rPr lang="en">
+              <a:rPr lang="en" dirty="0" err="1">
                 <a:highlight>
                   <a:srgbClr val="FFFFFF"/>
                 </a:highlight>
-                <a:latin typeface="Arial"/>
+                <a:latin typeface="+mj-lt"/>
                 <a:ea typeface="Arial"/>
                 <a:cs typeface="Arial"/>
                 <a:sym typeface="Arial"/>
               </a:rPr>
-              <a:t>Identity_hate     ROC AUC: 0.9897514246294196</a:t>
+              <a:t>Identity_hate</a:t>
             </a:r>
-            <a:endParaRPr>
+            <a:r>
+              <a:rPr lang="en" dirty="0">
+                <a:highlight>
+                  <a:srgbClr val="FFFFFF"/>
+                </a:highlight>
+                <a:latin typeface="+mj-lt"/>
+                <a:ea typeface="Arial"/>
+                <a:cs typeface="Arial"/>
+                <a:sym typeface="Arial"/>
+              </a:rPr>
+              <a:t>     ROC AUC: 0.9897514246294196</a:t>
+            </a:r>
+            <a:endParaRPr dirty="0">
               <a:highlight>
                 <a:srgbClr val="FFFFFF"/>
               </a:highlight>
-              <a:latin typeface="Arial"/>
+              <a:latin typeface="+mj-lt"/>
               <a:ea typeface="Arial"/>
               <a:cs typeface="Arial"/>
               <a:sym typeface="Arial"/>
@@ -8972,7 +9006,9 @@
               </a:spcAft>
               <a:buNone/>
             </a:pPr>
-            <a:endParaRPr/>
+            <a:endParaRPr dirty="0">
+              <a:latin typeface="+mj-lt"/>
+            </a:endParaRPr>
           </a:p>
           <a:p>
             <a:pPr marL="0" lvl="0" indent="0" algn="l" rtl="0">
@@ -8984,7 +9020,7 @@
               </a:spcAft>
               <a:buNone/>
             </a:pPr>
-            <a:endParaRPr/>
+            <a:endParaRPr dirty="0"/>
           </a:p>
         </p:txBody>
       </p:sp>
@@ -10291,10 +10327,14 @@
               <a:buChar char="●"/>
             </a:pPr>
             <a:r>
-              <a:rPr lang="en" sz="3000"/>
+              <a:rPr lang="en" sz="3000" dirty="0">
+                <a:latin typeface="+mn-lt"/>
+              </a:rPr>
               <a:t>Improve User Experience / Customer Stickiness</a:t>
             </a:r>
-            <a:endParaRPr sz="3000"/>
+            <a:endParaRPr sz="3000" dirty="0">
+              <a:latin typeface="+mn-lt"/>
+            </a:endParaRPr>
           </a:p>
           <a:p>
             <a:pPr marL="457200" lvl="0" indent="-419100" algn="l" rtl="0">
@@ -10308,10 +10348,14 @@
               <a:buChar char="●"/>
             </a:pPr>
             <a:r>
-              <a:rPr lang="en" sz="3000"/>
+              <a:rPr lang="en" sz="3000" dirty="0">
+                <a:latin typeface="+mn-lt"/>
+              </a:rPr>
               <a:t>Help Online Discussion Become More Productive and Respectful</a:t>
             </a:r>
-            <a:endParaRPr sz="3000"/>
+            <a:endParaRPr sz="3000" dirty="0">
+              <a:latin typeface="+mn-lt"/>
+            </a:endParaRPr>
           </a:p>
           <a:p>
             <a:pPr marL="457200" lvl="0" indent="-419100" algn="l" rtl="0">
@@ -10325,10 +10369,14 @@
               <a:buChar char="●"/>
             </a:pPr>
             <a:r>
-              <a:rPr lang="en" sz="3000"/>
+              <a:rPr lang="en" sz="3000" dirty="0">
+                <a:latin typeface="+mn-lt"/>
+              </a:rPr>
               <a:t>Reduce the Need for Human Labor</a:t>
             </a:r>
-            <a:endParaRPr sz="3000"/>
+            <a:endParaRPr sz="3000" dirty="0">
+              <a:latin typeface="+mn-lt"/>
+            </a:endParaRPr>
           </a:p>
           <a:p>
             <a:pPr marL="0" lvl="0" indent="0" algn="l" rtl="0">
@@ -10340,7 +10388,7 @@
               </a:spcAft>
               <a:buNone/>
             </a:pPr>
-            <a:endParaRPr/>
+            <a:endParaRPr dirty="0"/>
           </a:p>
           <a:p>
             <a:pPr marL="0" lvl="0" indent="0" algn="l" rtl="0">
@@ -10352,7 +10400,7 @@
               </a:spcAft>
               <a:buNone/>
             </a:pPr>
-            <a:endParaRPr/>
+            <a:endParaRPr dirty="0"/>
           </a:p>
           <a:p>
             <a:pPr marL="0" lvl="0" indent="0" algn="l" rtl="0">
@@ -10364,7 +10412,7 @@
               </a:spcAft>
               <a:buNone/>
             </a:pPr>
-            <a:endParaRPr/>
+            <a:endParaRPr dirty="0"/>
           </a:p>
         </p:txBody>
       </p:sp>
@@ -10498,10 +10546,14 @@
               <a:buNone/>
             </a:pPr>
             <a:r>
-              <a:rPr lang="en"/>
+              <a:rPr lang="en" dirty="0" err="1">
+                <a:latin typeface="+mn-lt"/>
+              </a:rPr>
               <a:t>Train.csv</a:t>
             </a:r>
-            <a:endParaRPr/>
+            <a:endParaRPr dirty="0">
+              <a:latin typeface="+mn-lt"/>
+            </a:endParaRPr>
           </a:p>
         </p:txBody>
       </p:sp>
@@ -10663,10 +10715,14 @@
               <a:buNone/>
             </a:pPr>
             <a:r>
-              <a:rPr lang="en"/>
+              <a:rPr lang="en" dirty="0" err="1">
+                <a:latin typeface="+mn-lt"/>
+              </a:rPr>
               <a:t>Test.csv</a:t>
             </a:r>
-            <a:endParaRPr/>
+            <a:endParaRPr dirty="0">
+              <a:latin typeface="+mn-lt"/>
+            </a:endParaRPr>
           </a:p>
         </p:txBody>
       </p:sp>
@@ -10829,10 +10885,14 @@
               <a:buChar char="●"/>
             </a:pPr>
             <a:r>
-              <a:rPr lang="en" sz="2200" dirty="0"/>
+              <a:rPr lang="en" sz="2200" dirty="0">
+                <a:latin typeface="+mn-lt"/>
+              </a:rPr>
               <a:t>Data Split</a:t>
             </a:r>
-            <a:endParaRPr sz="2200" dirty="0"/>
+            <a:endParaRPr sz="2200" dirty="0">
+              <a:latin typeface="+mn-lt"/>
+            </a:endParaRPr>
           </a:p>
           <a:p>
             <a:pPr marL="914400" lvl="1" indent="-368300" algn="l" rtl="0">
@@ -10846,10 +10906,14 @@
               <a:buChar char="○"/>
             </a:pPr>
             <a:r>
-              <a:rPr lang="en" sz="2200" dirty="0"/>
+              <a:rPr lang="en" sz="2200" dirty="0">
+                <a:latin typeface="+mn-lt"/>
+              </a:rPr>
               <a:t>Number of training data :   95851</a:t>
             </a:r>
-            <a:endParaRPr sz="2200" dirty="0"/>
+            <a:endParaRPr sz="2200" dirty="0">
+              <a:latin typeface="+mn-lt"/>
+            </a:endParaRPr>
           </a:p>
           <a:p>
             <a:pPr marL="914400" lvl="1" indent="-368300" algn="l" rtl="0">
@@ -10863,10 +10927,14 @@
               <a:buChar char="○"/>
             </a:pPr>
             <a:r>
-              <a:rPr lang="en" sz="2200" dirty="0"/>
+              <a:rPr lang="en" sz="2200" dirty="0">
+                <a:latin typeface="+mn-lt"/>
+              </a:rPr>
               <a:t>Number of testing data   :  226998</a:t>
             </a:r>
-            <a:endParaRPr sz="2200" dirty="0"/>
+            <a:endParaRPr sz="2200" dirty="0">
+              <a:latin typeface="+mn-lt"/>
+            </a:endParaRPr>
           </a:p>
           <a:p>
             <a:pPr marL="914400" lvl="1" indent="-368300" algn="l" rtl="0">
@@ -10880,10 +10948,14 @@
               <a:buChar char="○"/>
             </a:pPr>
             <a:r>
-              <a:rPr lang="en" sz="2200" dirty="0"/>
+              <a:rPr lang="en" sz="2200" dirty="0">
+                <a:latin typeface="+mn-lt"/>
+              </a:rPr>
               <a:t>Training data : testing data = 3 : 7</a:t>
             </a:r>
-            <a:endParaRPr sz="2200" dirty="0"/>
+            <a:endParaRPr sz="2200" dirty="0">
+              <a:latin typeface="+mn-lt"/>
+            </a:endParaRPr>
           </a:p>
           <a:p>
             <a:pPr marL="457200" lvl="0" indent="-368300" algn="l" rtl="0">
@@ -10897,10 +10969,14 @@
               <a:buChar char="●"/>
             </a:pPr>
             <a:r>
-              <a:rPr lang="en" sz="2200" dirty="0"/>
+              <a:rPr lang="en" sz="2200" dirty="0">
+                <a:latin typeface="+mn-lt"/>
+              </a:rPr>
               <a:t>Missing Value </a:t>
             </a:r>
-            <a:endParaRPr sz="2200" dirty="0"/>
+            <a:endParaRPr sz="2200" dirty="0">
+              <a:latin typeface="+mn-lt"/>
+            </a:endParaRPr>
           </a:p>
           <a:p>
             <a:pPr marL="914400" lvl="1" indent="-368300" algn="l" rtl="0">
@@ -10914,18 +10990,26 @@
               <a:buChar char="○"/>
             </a:pPr>
             <a:r>
-              <a:rPr lang="en" sz="2200" dirty="0"/>
+              <a:rPr lang="en" sz="2200" dirty="0">
+                <a:latin typeface="+mn-lt"/>
+              </a:rPr>
               <a:t>Only found </a:t>
             </a:r>
             <a:r>
-              <a:rPr lang="en" sz="2200" b="1" dirty="0"/>
+              <a:rPr lang="en" sz="2200" b="1" dirty="0">
+                <a:latin typeface="+mn-lt"/>
+              </a:rPr>
               <a:t>one</a:t>
             </a:r>
             <a:r>
-              <a:rPr lang="en" sz="2200" dirty="0"/>
+              <a:rPr lang="en" sz="2200" dirty="0">
+                <a:latin typeface="+mn-lt"/>
+              </a:rPr>
               <a:t> in testing dataset</a:t>
             </a:r>
-            <a:endParaRPr sz="2200" dirty="0"/>
+            <a:endParaRPr sz="2200" dirty="0">
+              <a:latin typeface="+mn-lt"/>
+            </a:endParaRPr>
           </a:p>
         </p:txBody>
       </p:sp>
@@ -11063,7 +11147,7 @@
               </a:spcAft>
               <a:buNone/>
             </a:pPr>
-            <a:endParaRPr sz="2400"/>
+            <a:endParaRPr sz="2400" dirty="0"/>
           </a:p>
           <a:p>
             <a:pPr marL="0" lvl="0" indent="0" algn="l" rtl="0">
@@ -11076,10 +11160,14 @@
               <a:buNone/>
             </a:pPr>
             <a:r>
-              <a:rPr lang="en" sz="2400"/>
+              <a:rPr lang="en" sz="2400" dirty="0">
+                <a:latin typeface="+mn-lt"/>
+              </a:rPr>
               <a:t>Class Imbalance</a:t>
             </a:r>
-            <a:endParaRPr sz="2400"/>
+            <a:endParaRPr sz="2400" dirty="0">
+              <a:latin typeface="+mn-lt"/>
+            </a:endParaRPr>
           </a:p>
           <a:p>
             <a:pPr marL="457200" lvl="0" indent="-355600" algn="l" rtl="0">
@@ -11093,10 +11181,14 @@
               <a:buChar char="●"/>
             </a:pPr>
             <a:r>
-              <a:rPr lang="en" sz="2000"/>
+              <a:rPr lang="en" sz="2000" dirty="0">
+                <a:latin typeface="+mn-lt"/>
+              </a:rPr>
               <a:t>Total: 95851</a:t>
             </a:r>
-            <a:endParaRPr sz="2000"/>
+            <a:endParaRPr sz="2000" dirty="0">
+              <a:latin typeface="+mn-lt"/>
+            </a:endParaRPr>
           </a:p>
           <a:p>
             <a:pPr marL="457200" lvl="0" indent="-355600" algn="l" rtl="0">
@@ -11110,10 +11202,14 @@
               <a:buChar char="●"/>
             </a:pPr>
             <a:r>
-              <a:rPr lang="en" sz="2000"/>
+              <a:rPr lang="en" sz="2000" dirty="0">
+                <a:latin typeface="+mn-lt"/>
+              </a:rPr>
               <a:t>Clean: 86061</a:t>
             </a:r>
-            <a:endParaRPr sz="2000"/>
+            <a:endParaRPr sz="2000" dirty="0">
+              <a:latin typeface="+mn-lt"/>
+            </a:endParaRPr>
           </a:p>
           <a:p>
             <a:pPr marL="457200" lvl="0" indent="-355600" algn="l" rtl="0">
@@ -11127,10 +11223,14 @@
               <a:buChar char="●"/>
             </a:pPr>
             <a:r>
-              <a:rPr lang="en" sz="2000"/>
+              <a:rPr lang="en" sz="2000" dirty="0">
+                <a:latin typeface="+mn-lt"/>
+              </a:rPr>
               <a:t>Type: 21195</a:t>
             </a:r>
-            <a:endParaRPr sz="2000"/>
+            <a:endParaRPr sz="2000" dirty="0">
+              <a:latin typeface="+mn-lt"/>
+            </a:endParaRPr>
           </a:p>
           <a:p>
             <a:pPr marL="0" lvl="0" indent="0" algn="l" rtl="0">
@@ -11142,7 +11242,7 @@
               </a:spcAft>
               <a:buNone/>
             </a:pPr>
-            <a:endParaRPr sz="2000"/>
+            <a:endParaRPr sz="2000" dirty="0"/>
           </a:p>
         </p:txBody>
       </p:sp>
@@ -11316,10 +11416,14 @@
               <a:buNone/>
             </a:pPr>
             <a:r>
-              <a:rPr lang="en" sz="2400" dirty="0"/>
+              <a:rPr lang="en" sz="2400" dirty="0">
+                <a:latin typeface="+mn-lt"/>
+              </a:rPr>
               <a:t>Class Imbalance</a:t>
             </a:r>
-            <a:endParaRPr sz="2400" dirty="0"/>
+            <a:endParaRPr sz="2400" dirty="0">
+              <a:latin typeface="+mn-lt"/>
+            </a:endParaRPr>
           </a:p>
           <a:p>
             <a:pPr marL="457200" lvl="0" indent="0" algn="l" rtl="0">
@@ -11509,7 +11613,7 @@
               </a:spcAft>
               <a:buNone/>
             </a:pPr>
-            <a:endParaRPr/>
+            <a:endParaRPr dirty="0"/>
           </a:p>
           <a:p>
             <a:pPr marL="0" lvl="0" indent="0" algn="l" rtl="0">
@@ -11521,7 +11625,7 @@
               </a:spcAft>
               <a:buNone/>
             </a:pPr>
-            <a:endParaRPr/>
+            <a:endParaRPr dirty="0"/>
           </a:p>
           <a:p>
             <a:pPr marL="0" lvl="0" indent="0" algn="l" rtl="0">
@@ -11534,10 +11638,18 @@
               <a:buNone/>
             </a:pPr>
             <a:r>
-              <a:rPr lang="en"/>
-              <a:t>  Crosstab</a:t>
+              <a:rPr lang="en" dirty="0"/>
+              <a:t>  </a:t>
             </a:r>
-            <a:endParaRPr/>
+            <a:r>
+              <a:rPr lang="en" dirty="0">
+                <a:latin typeface="+mn-lt"/>
+              </a:rPr>
+              <a:t>Crosstab</a:t>
+            </a:r>
+            <a:endParaRPr dirty="0">
+              <a:latin typeface="+mn-lt"/>
+            </a:endParaRPr>
           </a:p>
         </p:txBody>
       </p:sp>
@@ -12980,7 +13092,7 @@
               </a:spcAft>
               <a:buNone/>
             </a:pPr>
-            <a:endParaRPr/>
+            <a:endParaRPr dirty="0"/>
           </a:p>
           <a:p>
             <a:pPr marL="0" lvl="0" indent="0" algn="l" rtl="0">
@@ -12992,7 +13104,9 @@
               </a:spcAft>
               <a:buNone/>
             </a:pPr>
-            <a:endParaRPr/>
+            <a:endParaRPr dirty="0">
+              <a:latin typeface="+mn-lt"/>
+            </a:endParaRPr>
           </a:p>
           <a:p>
             <a:pPr marL="0" lvl="0" indent="0" algn="l" rtl="0">
@@ -13005,10 +13119,14 @@
               <a:buNone/>
             </a:pPr>
             <a:r>
-              <a:rPr lang="en"/>
+              <a:rPr lang="en" dirty="0">
+                <a:latin typeface="+mn-lt"/>
+              </a:rPr>
               <a:t>Clean comments</a:t>
             </a:r>
-            <a:endParaRPr/>
+            <a:endParaRPr dirty="0">
+              <a:latin typeface="+mn-lt"/>
+            </a:endParaRPr>
           </a:p>
         </p:txBody>
       </p:sp>

--- a/Project/Jigsaw Comments Classification.pptx
+++ b/Project/Jigsaw Comments Classification.pptx
@@ -831,7 +831,7 @@
   <p:cSld>
     <p:spTree>
       <p:nvGrpSpPr>
-        <p:cNvPr id="155" name="Shape 155"/>
+        <p:cNvPr id="160" name="Shape 160"/>
         <p:cNvGrpSpPr/>
         <p:nvPr/>
       </p:nvGrpSpPr>
@@ -845,7 +845,7 @@
       </p:grpSpPr>
       <p:sp>
         <p:nvSpPr>
-          <p:cNvPr id="156" name="Google Shape;156;g43b1ddb8bf_0_64:notes"/>
+          <p:cNvPr id="161" name="Google Shape;161;g43b1ddb8bf_0_64:notes"/>
           <p:cNvSpPr/>
           <p:nvPr>
             <p:ph idx="2" type="sldImg"/>
@@ -880,7 +880,7 @@
       </p:sp>
       <p:sp>
         <p:nvSpPr>
-          <p:cNvPr id="157" name="Google Shape;157;g43b1ddb8bf_0_64:notes"/>
+          <p:cNvPr id="162" name="Google Shape;162;g43b1ddb8bf_0_64:notes"/>
           <p:cNvSpPr txBox="1"/>
           <p:nvPr>
             <p:ph idx="1" type="body"/>
@@ -930,7 +930,7 @@
   <p:cSld>
     <p:spTree>
       <p:nvGrpSpPr>
-        <p:cNvPr id="163" name="Shape 163"/>
+        <p:cNvPr id="168" name="Shape 168"/>
         <p:cNvGrpSpPr/>
         <p:nvPr/>
       </p:nvGrpSpPr>
@@ -944,7 +944,7 @@
       </p:grpSpPr>
       <p:sp>
         <p:nvSpPr>
-          <p:cNvPr id="164" name="Google Shape;164;g43b1ddb8bf_0_139:notes"/>
+          <p:cNvPr id="169" name="Google Shape;169;g43b1ddb8bf_0_139:notes"/>
           <p:cNvSpPr/>
           <p:nvPr>
             <p:ph idx="2" type="sldImg"/>
@@ -979,7 +979,7 @@
       </p:sp>
       <p:sp>
         <p:nvSpPr>
-          <p:cNvPr id="165" name="Google Shape;165;g43b1ddb8bf_0_139:notes"/>
+          <p:cNvPr id="170" name="Google Shape;170;g43b1ddb8bf_0_139:notes"/>
           <p:cNvSpPr txBox="1"/>
           <p:nvPr>
             <p:ph idx="1" type="body"/>
@@ -1029,7 +1029,7 @@
   <p:cSld>
     <p:spTree>
       <p:nvGrpSpPr>
-        <p:cNvPr id="171" name="Shape 171"/>
+        <p:cNvPr id="176" name="Shape 176"/>
         <p:cNvGrpSpPr/>
         <p:nvPr/>
       </p:nvGrpSpPr>
@@ -1043,7 +1043,7 @@
       </p:grpSpPr>
       <p:sp>
         <p:nvSpPr>
-          <p:cNvPr id="172" name="Google Shape;172;g43b1ddb8bf_0_10:notes"/>
+          <p:cNvPr id="177" name="Google Shape;177;g43b1ddb8bf_0_10:notes"/>
           <p:cNvSpPr/>
           <p:nvPr>
             <p:ph idx="2" type="sldImg"/>
@@ -1078,7 +1078,7 @@
       </p:sp>
       <p:sp>
         <p:nvSpPr>
-          <p:cNvPr id="173" name="Google Shape;173;g43b1ddb8bf_0_10:notes"/>
+          <p:cNvPr id="178" name="Google Shape;178;g43b1ddb8bf_0_10:notes"/>
           <p:cNvSpPr txBox="1"/>
           <p:nvPr>
             <p:ph idx="1" type="body"/>
@@ -1128,7 +1128,7 @@
   <p:cSld>
     <p:spTree>
       <p:nvGrpSpPr>
-        <p:cNvPr id="178" name="Shape 178"/>
+        <p:cNvPr id="183" name="Shape 183"/>
         <p:cNvGrpSpPr/>
         <p:nvPr/>
       </p:nvGrpSpPr>
@@ -1142,7 +1142,7 @@
       </p:grpSpPr>
       <p:sp>
         <p:nvSpPr>
-          <p:cNvPr id="179" name="Google Shape;179;g43b1ddb8bf_0_28:notes"/>
+          <p:cNvPr id="184" name="Google Shape;184;g43b1ddb8bf_0_28:notes"/>
           <p:cNvSpPr/>
           <p:nvPr>
             <p:ph idx="2" type="sldImg"/>
@@ -1177,7 +1177,7 @@
       </p:sp>
       <p:sp>
         <p:nvSpPr>
-          <p:cNvPr id="180" name="Google Shape;180;g43b1ddb8bf_0_28:notes"/>
+          <p:cNvPr id="185" name="Google Shape;185;g43b1ddb8bf_0_28:notes"/>
           <p:cNvSpPr txBox="1"/>
           <p:nvPr>
             <p:ph idx="1" type="body"/>
@@ -1227,7 +1227,7 @@
   <p:cSld>
     <p:spTree>
       <p:nvGrpSpPr>
-        <p:cNvPr id="186" name="Shape 186"/>
+        <p:cNvPr id="191" name="Shape 191"/>
         <p:cNvGrpSpPr/>
         <p:nvPr/>
       </p:nvGrpSpPr>
@@ -1241,7 +1241,7 @@
       </p:grpSpPr>
       <p:sp>
         <p:nvSpPr>
-          <p:cNvPr id="187" name="Google Shape;187;g44ef99dc9c_0_67:notes"/>
+          <p:cNvPr id="192" name="Google Shape;192;g44ef99dc9c_0_67:notes"/>
           <p:cNvSpPr/>
           <p:nvPr>
             <p:ph idx="2" type="sldImg"/>
@@ -1276,7 +1276,7 @@
       </p:sp>
       <p:sp>
         <p:nvSpPr>
-          <p:cNvPr id="188" name="Google Shape;188;g44ef99dc9c_0_67:notes"/>
+          <p:cNvPr id="193" name="Google Shape;193;g44ef99dc9c_0_67:notes"/>
           <p:cNvSpPr txBox="1"/>
           <p:nvPr>
             <p:ph idx="1" type="body"/>
@@ -1326,7 +1326,7 @@
   <p:cSld>
     <p:spTree>
       <p:nvGrpSpPr>
-        <p:cNvPr id="201" name="Shape 201"/>
+        <p:cNvPr id="206" name="Shape 206"/>
         <p:cNvGrpSpPr/>
         <p:nvPr/>
       </p:nvGrpSpPr>
@@ -1340,7 +1340,7 @@
       </p:grpSpPr>
       <p:sp>
         <p:nvSpPr>
-          <p:cNvPr id="202" name="Google Shape;202;g44ef99dc9c_0_53:notes"/>
+          <p:cNvPr id="207" name="Google Shape;207;g44ef99dc9c_0_53:notes"/>
           <p:cNvSpPr/>
           <p:nvPr>
             <p:ph idx="2" type="sldImg"/>
@@ -1375,7 +1375,7 @@
       </p:sp>
       <p:sp>
         <p:nvSpPr>
-          <p:cNvPr id="203" name="Google Shape;203;g44ef99dc9c_0_53:notes"/>
+          <p:cNvPr id="208" name="Google Shape;208;g44ef99dc9c_0_53:notes"/>
           <p:cNvSpPr txBox="1"/>
           <p:nvPr>
             <p:ph idx="1" type="body"/>
@@ -1425,7 +1425,7 @@
   <p:cSld>
     <p:spTree>
       <p:nvGrpSpPr>
-        <p:cNvPr id="208" name="Shape 208"/>
+        <p:cNvPr id="213" name="Shape 213"/>
         <p:cNvGrpSpPr/>
         <p:nvPr/>
       </p:nvGrpSpPr>
@@ -1439,7 +1439,7 @@
       </p:grpSpPr>
       <p:sp>
         <p:nvSpPr>
-          <p:cNvPr id="209" name="Google Shape;209;g43b1ddb8bf_0_15:notes"/>
+          <p:cNvPr id="214" name="Google Shape;214;g43b1ddb8bf_0_15:notes"/>
           <p:cNvSpPr/>
           <p:nvPr>
             <p:ph idx="2" type="sldImg"/>
@@ -1474,7 +1474,7 @@
       </p:sp>
       <p:sp>
         <p:nvSpPr>
-          <p:cNvPr id="210" name="Google Shape;210;g43b1ddb8bf_0_15:notes"/>
+          <p:cNvPr id="215" name="Google Shape;215;g43b1ddb8bf_0_15:notes"/>
           <p:cNvSpPr txBox="1"/>
           <p:nvPr>
             <p:ph idx="1" type="body"/>
@@ -1524,7 +1524,7 @@
   <p:cSld>
     <p:spTree>
       <p:nvGrpSpPr>
-        <p:cNvPr id="216" name="Shape 216"/>
+        <p:cNvPr id="221" name="Shape 221"/>
         <p:cNvGrpSpPr/>
         <p:nvPr/>
       </p:nvGrpSpPr>
@@ -1538,7 +1538,7 @@
       </p:grpSpPr>
       <p:sp>
         <p:nvSpPr>
-          <p:cNvPr id="217" name="Google Shape;217;g43b1ddb8bf_0_34:notes"/>
+          <p:cNvPr id="222" name="Google Shape;222;g43b1ddb8bf_0_34:notes"/>
           <p:cNvSpPr/>
           <p:nvPr>
             <p:ph idx="2" type="sldImg"/>
@@ -1573,7 +1573,7 @@
       </p:sp>
       <p:sp>
         <p:nvSpPr>
-          <p:cNvPr id="218" name="Google Shape;218;g43b1ddb8bf_0_34:notes"/>
+          <p:cNvPr id="223" name="Google Shape;223;g43b1ddb8bf_0_34:notes"/>
           <p:cNvSpPr txBox="1"/>
           <p:nvPr>
             <p:ph idx="1" type="body"/>
@@ -1623,7 +1623,7 @@
   <p:cSld>
     <p:spTree>
       <p:nvGrpSpPr>
-        <p:cNvPr id="223" name="Shape 223"/>
+        <p:cNvPr id="228" name="Shape 228"/>
         <p:cNvGrpSpPr/>
         <p:nvPr/>
       </p:nvGrpSpPr>
@@ -1637,7 +1637,7 @@
       </p:grpSpPr>
       <p:sp>
         <p:nvSpPr>
-          <p:cNvPr id="224" name="Google Shape;224;g43b1ddb8bf_0_40:notes"/>
+          <p:cNvPr id="229" name="Google Shape;229;g43b1ddb8bf_0_40:notes"/>
           <p:cNvSpPr/>
           <p:nvPr>
             <p:ph idx="2" type="sldImg"/>
@@ -1672,7 +1672,7 @@
       </p:sp>
       <p:sp>
         <p:nvSpPr>
-          <p:cNvPr id="225" name="Google Shape;225;g43b1ddb8bf_0_40:notes"/>
+          <p:cNvPr id="230" name="Google Shape;230;g43b1ddb8bf_0_40:notes"/>
           <p:cNvSpPr txBox="1"/>
           <p:nvPr>
             <p:ph idx="1" type="body"/>
@@ -1722,7 +1722,7 @@
   <p:cSld>
     <p:spTree>
       <p:nvGrpSpPr>
-        <p:cNvPr id="230" name="Shape 230"/>
+        <p:cNvPr id="235" name="Shape 235"/>
         <p:cNvGrpSpPr/>
         <p:nvPr/>
       </p:nvGrpSpPr>
@@ -1736,7 +1736,7 @@
       </p:grpSpPr>
       <p:sp>
         <p:nvSpPr>
-          <p:cNvPr id="231" name="Google Shape;231;g4374b233b1_0_202:notes"/>
+          <p:cNvPr id="236" name="Google Shape;236;g4374b233b1_0_202:notes"/>
           <p:cNvSpPr/>
           <p:nvPr>
             <p:ph idx="2" type="sldImg"/>
@@ -1771,7 +1771,7 @@
       </p:sp>
       <p:sp>
         <p:nvSpPr>
-          <p:cNvPr id="232" name="Google Shape;232;g4374b233b1_0_202:notes"/>
+          <p:cNvPr id="237" name="Google Shape;237;g4374b233b1_0_202:notes"/>
           <p:cNvSpPr txBox="1"/>
           <p:nvPr>
             <p:ph idx="1" type="body"/>
@@ -1920,7 +1920,7 @@
   <p:cSld>
     <p:spTree>
       <p:nvGrpSpPr>
-        <p:cNvPr id="236" name="Shape 236"/>
+        <p:cNvPr id="241" name="Shape 241"/>
         <p:cNvGrpSpPr/>
         <p:nvPr/>
       </p:nvGrpSpPr>
@@ -1934,7 +1934,7 @@
       </p:grpSpPr>
       <p:sp>
         <p:nvSpPr>
-          <p:cNvPr id="237" name="Google Shape;237;g4374b233b1_0_197:notes"/>
+          <p:cNvPr id="242" name="Google Shape;242;g4374b233b1_0_197:notes"/>
           <p:cNvSpPr/>
           <p:nvPr>
             <p:ph idx="2" type="sldImg"/>
@@ -1969,7 +1969,7 @@
       </p:sp>
       <p:sp>
         <p:nvSpPr>
-          <p:cNvPr id="238" name="Google Shape;238;g4374b233b1_0_197:notes"/>
+          <p:cNvPr id="243" name="Google Shape;243;g4374b233b1_0_197:notes"/>
           <p:cNvSpPr txBox="1"/>
           <p:nvPr>
             <p:ph idx="1" type="body"/>
@@ -2019,7 +2019,7 @@
   <p:cSld>
     <p:spTree>
       <p:nvGrpSpPr>
-        <p:cNvPr id="242" name="Shape 242"/>
+        <p:cNvPr id="247" name="Shape 247"/>
         <p:cNvGrpSpPr/>
         <p:nvPr/>
       </p:nvGrpSpPr>
@@ -2033,7 +2033,7 @@
       </p:grpSpPr>
       <p:sp>
         <p:nvSpPr>
-          <p:cNvPr id="243" name="Google Shape;243;g4374b233b1_0_187:notes"/>
+          <p:cNvPr id="248" name="Google Shape;248;g4374b233b1_0_187:notes"/>
           <p:cNvSpPr/>
           <p:nvPr>
             <p:ph idx="2" type="sldImg"/>
@@ -2068,7 +2068,7 @@
       </p:sp>
       <p:sp>
         <p:nvSpPr>
-          <p:cNvPr id="244" name="Google Shape;244;g4374b233b1_0_187:notes"/>
+          <p:cNvPr id="249" name="Google Shape;249;g4374b233b1_0_187:notes"/>
           <p:cNvSpPr txBox="1"/>
           <p:nvPr>
             <p:ph idx="1" type="body"/>
@@ -2217,7 +2217,7 @@
   <p:cSld>
     <p:spTree>
       <p:nvGrpSpPr>
-        <p:cNvPr id="107" name="Shape 107"/>
+        <p:cNvPr id="108" name="Shape 108"/>
         <p:cNvGrpSpPr/>
         <p:nvPr/>
       </p:nvGrpSpPr>
@@ -2231,7 +2231,7 @@
       </p:grpSpPr>
       <p:sp>
         <p:nvSpPr>
-          <p:cNvPr id="108" name="Google Shape;108;g4374b233b1_0_209:notes"/>
+          <p:cNvPr id="109" name="Google Shape;109;g4374b233b1_0_209:notes"/>
           <p:cNvSpPr/>
           <p:nvPr>
             <p:ph idx="2" type="sldImg"/>
@@ -2266,7 +2266,7 @@
       </p:sp>
       <p:sp>
         <p:nvSpPr>
-          <p:cNvPr id="109" name="Google Shape;109;g4374b233b1_0_209:notes"/>
+          <p:cNvPr id="110" name="Google Shape;110;g4374b233b1_0_209:notes"/>
           <p:cNvSpPr txBox="1"/>
           <p:nvPr>
             <p:ph idx="1" type="body"/>
@@ -2316,7 +2316,7 @@
   <p:cSld>
     <p:spTree>
       <p:nvGrpSpPr>
-        <p:cNvPr id="117" name="Shape 117"/>
+        <p:cNvPr id="118" name="Shape 118"/>
         <p:cNvGrpSpPr/>
         <p:nvPr/>
       </p:nvGrpSpPr>
@@ -2330,7 +2330,7 @@
       </p:grpSpPr>
       <p:sp>
         <p:nvSpPr>
-          <p:cNvPr id="118" name="Google Shape;118;g4374b233b1_0_182:notes"/>
+          <p:cNvPr id="119" name="Google Shape;119;g4374b233b1_0_182:notes"/>
           <p:cNvSpPr/>
           <p:nvPr>
             <p:ph idx="2" type="sldImg"/>
@@ -2365,7 +2365,7 @@
       </p:sp>
       <p:sp>
         <p:nvSpPr>
-          <p:cNvPr id="119" name="Google Shape;119;g4374b233b1_0_182:notes"/>
+          <p:cNvPr id="120" name="Google Shape;120;g4374b233b1_0_182:notes"/>
           <p:cNvSpPr txBox="1"/>
           <p:nvPr>
             <p:ph idx="1" type="body"/>
@@ -2415,7 +2415,7 @@
   <p:cSld>
     <p:spTree>
       <p:nvGrpSpPr>
-        <p:cNvPr id="124" name="Shape 124"/>
+        <p:cNvPr id="129" name="Shape 129"/>
         <p:cNvGrpSpPr/>
         <p:nvPr/>
       </p:nvGrpSpPr>
@@ -2429,7 +2429,7 @@
       </p:grpSpPr>
       <p:sp>
         <p:nvSpPr>
-          <p:cNvPr id="125" name="Google Shape;125;g43b1ddb8bf_0_5:notes"/>
+          <p:cNvPr id="130" name="Google Shape;130;g43b1ddb8bf_0_5:notes"/>
           <p:cNvSpPr/>
           <p:nvPr>
             <p:ph idx="2" type="sldImg"/>
@@ -2464,7 +2464,7 @@
       </p:sp>
       <p:sp>
         <p:nvSpPr>
-          <p:cNvPr id="126" name="Google Shape;126;g43b1ddb8bf_0_5:notes"/>
+          <p:cNvPr id="131" name="Google Shape;131;g43b1ddb8bf_0_5:notes"/>
           <p:cNvSpPr txBox="1"/>
           <p:nvPr>
             <p:ph idx="1" type="body"/>
@@ -2514,7 +2514,7 @@
   <p:cSld>
     <p:spTree>
       <p:nvGrpSpPr>
-        <p:cNvPr id="132" name="Shape 132"/>
+        <p:cNvPr id="137" name="Shape 137"/>
         <p:cNvGrpSpPr/>
         <p:nvPr/>
       </p:nvGrpSpPr>
@@ -2528,7 +2528,7 @@
       </p:grpSpPr>
       <p:sp>
         <p:nvSpPr>
-          <p:cNvPr id="133" name="Google Shape;133;g43b1ddb8bf_0_124:notes"/>
+          <p:cNvPr id="138" name="Google Shape;138;g43b1ddb8bf_0_124:notes"/>
           <p:cNvSpPr/>
           <p:nvPr>
             <p:ph idx="2" type="sldImg"/>
@@ -2563,7 +2563,7 @@
       </p:sp>
       <p:sp>
         <p:nvSpPr>
-          <p:cNvPr id="134" name="Google Shape;134;g43b1ddb8bf_0_124:notes"/>
+          <p:cNvPr id="139" name="Google Shape;139;g43b1ddb8bf_0_124:notes"/>
           <p:cNvSpPr txBox="1"/>
           <p:nvPr>
             <p:ph idx="1" type="body"/>
@@ -2613,7 +2613,7 @@
   <p:cSld>
     <p:spTree>
       <p:nvGrpSpPr>
-        <p:cNvPr id="140" name="Shape 140"/>
+        <p:cNvPr id="145" name="Shape 145"/>
         <p:cNvGrpSpPr/>
         <p:nvPr/>
       </p:nvGrpSpPr>
@@ -2627,7 +2627,7 @@
       </p:grpSpPr>
       <p:sp>
         <p:nvSpPr>
-          <p:cNvPr id="141" name="Google Shape;141;g43b1ddb8bf_0_115:notes"/>
+          <p:cNvPr id="146" name="Google Shape;146;g43b1ddb8bf_0_115:notes"/>
           <p:cNvSpPr/>
           <p:nvPr>
             <p:ph idx="2" type="sldImg"/>
@@ -2662,7 +2662,7 @@
       </p:sp>
       <p:sp>
         <p:nvSpPr>
-          <p:cNvPr id="142" name="Google Shape;142;g43b1ddb8bf_0_115:notes"/>
+          <p:cNvPr id="147" name="Google Shape;147;g43b1ddb8bf_0_115:notes"/>
           <p:cNvSpPr txBox="1"/>
           <p:nvPr>
             <p:ph idx="1" type="body"/>
@@ -2712,7 +2712,7 @@
   <p:cSld>
     <p:spTree>
       <p:nvGrpSpPr>
-        <p:cNvPr id="148" name="Shape 148"/>
+        <p:cNvPr id="153" name="Shape 153"/>
         <p:cNvGrpSpPr/>
         <p:nvPr/>
       </p:nvGrpSpPr>
@@ -2726,7 +2726,7 @@
       </p:grpSpPr>
       <p:sp>
         <p:nvSpPr>
-          <p:cNvPr id="149" name="Google Shape;149;g43b1ddb8bf_0_0:notes"/>
+          <p:cNvPr id="154" name="Google Shape;154;g43b1ddb8bf_0_0:notes"/>
           <p:cNvSpPr/>
           <p:nvPr>
             <p:ph idx="2" type="sldImg"/>
@@ -2761,7 +2761,7 @@
       </p:sp>
       <p:sp>
         <p:nvSpPr>
-          <p:cNvPr id="150" name="Google Shape;150;g43b1ddb8bf_0_0:notes"/>
+          <p:cNvPr id="155" name="Google Shape;155;g43b1ddb8bf_0_0:notes"/>
           <p:cNvSpPr txBox="1"/>
           <p:nvPr>
             <p:ph idx="1" type="body"/>
@@ -8329,7 +8329,7 @@
   <p:cSld>
     <p:spTree>
       <p:nvGrpSpPr>
-        <p:cNvPr id="158" name="Shape 158"/>
+        <p:cNvPr id="163" name="Shape 163"/>
         <p:cNvGrpSpPr/>
         <p:nvPr/>
       </p:nvGrpSpPr>
@@ -8343,7 +8343,7 @@
       </p:grpSpPr>
       <p:sp>
         <p:nvSpPr>
-          <p:cNvPr id="159" name="Google Shape;159;p22"/>
+          <p:cNvPr id="164" name="Google Shape;164;p22"/>
           <p:cNvSpPr txBox="1"/>
           <p:nvPr>
             <p:ph type="title"/>
@@ -8388,7 +8388,7 @@
       </p:sp>
       <p:sp>
         <p:nvSpPr>
-          <p:cNvPr id="160" name="Google Shape;160;p22"/>
+          <p:cNvPr id="165" name="Google Shape;165;p22"/>
           <p:cNvSpPr txBox="1"/>
           <p:nvPr>
             <p:ph idx="1" type="body"/>
@@ -8509,7 +8509,7 @@
       </p:sp>
       <p:pic>
         <p:nvPicPr>
-          <p:cNvPr id="161" name="Google Shape;161;p22"/>
+          <p:cNvPr id="166" name="Google Shape;166;p22"/>
           <p:cNvPicPr preferRelativeResize="0"/>
           <p:nvPr/>
         </p:nvPicPr>
@@ -8537,7 +8537,7 @@
       </p:pic>
       <p:pic>
         <p:nvPicPr>
-          <p:cNvPr id="162" name="Google Shape;162;p22"/>
+          <p:cNvPr id="167" name="Google Shape;167;p22"/>
           <p:cNvPicPr preferRelativeResize="0"/>
           <p:nvPr/>
         </p:nvPicPr>
@@ -8576,7 +8576,7 @@
   <p:cSld>
     <p:spTree>
       <p:nvGrpSpPr>
-        <p:cNvPr id="166" name="Shape 166"/>
+        <p:cNvPr id="171" name="Shape 171"/>
         <p:cNvGrpSpPr/>
         <p:nvPr/>
       </p:nvGrpSpPr>
@@ -8590,7 +8590,7 @@
       </p:grpSpPr>
       <p:sp>
         <p:nvSpPr>
-          <p:cNvPr id="167" name="Google Shape;167;p23"/>
+          <p:cNvPr id="172" name="Google Shape;172;p23"/>
           <p:cNvSpPr txBox="1"/>
           <p:nvPr>
             <p:ph type="title"/>
@@ -8630,7 +8630,7 @@
       </p:sp>
       <p:sp>
         <p:nvSpPr>
-          <p:cNvPr id="168" name="Google Shape;168;p23"/>
+          <p:cNvPr id="173" name="Google Shape;173;p23"/>
           <p:cNvSpPr txBox="1"/>
           <p:nvPr>
             <p:ph idx="1" type="body"/>
@@ -8715,7 +8715,7 @@
       </p:sp>
       <p:pic>
         <p:nvPicPr>
-          <p:cNvPr id="169" name="Google Shape;169;p23"/>
+          <p:cNvPr id="174" name="Google Shape;174;p23"/>
           <p:cNvPicPr preferRelativeResize="0"/>
           <p:nvPr/>
         </p:nvPicPr>
@@ -8743,7 +8743,7 @@
       </p:pic>
       <p:pic>
         <p:nvPicPr>
-          <p:cNvPr id="170" name="Google Shape;170;p23"/>
+          <p:cNvPr id="175" name="Google Shape;175;p23"/>
           <p:cNvPicPr preferRelativeResize="0"/>
           <p:nvPr/>
         </p:nvPicPr>
@@ -8782,7 +8782,7 @@
   <p:cSld>
     <p:spTree>
       <p:nvGrpSpPr>
-        <p:cNvPr id="174" name="Shape 174"/>
+        <p:cNvPr id="179" name="Shape 179"/>
         <p:cNvGrpSpPr/>
         <p:nvPr/>
       </p:nvGrpSpPr>
@@ -8796,7 +8796,7 @@
       </p:grpSpPr>
       <p:sp>
         <p:nvSpPr>
-          <p:cNvPr id="175" name="Google Shape;175;p24"/>
+          <p:cNvPr id="180" name="Google Shape;180;p24"/>
           <p:cNvSpPr txBox="1"/>
           <p:nvPr>
             <p:ph type="title"/>
@@ -8836,7 +8836,7 @@
       </p:sp>
       <p:sp>
         <p:nvSpPr>
-          <p:cNvPr id="176" name="Google Shape;176;p24"/>
+          <p:cNvPr id="181" name="Google Shape;181;p24"/>
           <p:cNvSpPr txBox="1"/>
           <p:nvPr>
             <p:ph idx="1" type="body"/>
@@ -9117,7 +9117,7 @@
       </p:sp>
       <p:pic>
         <p:nvPicPr>
-          <p:cNvPr id="177" name="Google Shape;177;p24"/>
+          <p:cNvPr id="182" name="Google Shape;182;p24"/>
           <p:cNvPicPr preferRelativeResize="0"/>
           <p:nvPr/>
         </p:nvPicPr>
@@ -9156,7 +9156,7 @@
   <p:cSld>
     <p:spTree>
       <p:nvGrpSpPr>
-        <p:cNvPr id="181" name="Shape 181"/>
+        <p:cNvPr id="186" name="Shape 186"/>
         <p:cNvGrpSpPr/>
         <p:nvPr/>
       </p:nvGrpSpPr>
@@ -9170,7 +9170,7 @@
       </p:grpSpPr>
       <p:sp>
         <p:nvSpPr>
-          <p:cNvPr id="182" name="Google Shape;182;p25"/>
+          <p:cNvPr id="187" name="Google Shape;187;p25"/>
           <p:cNvSpPr txBox="1"/>
           <p:nvPr>
             <p:ph type="title"/>
@@ -9210,7 +9210,7 @@
       </p:sp>
       <p:sp>
         <p:nvSpPr>
-          <p:cNvPr id="183" name="Google Shape;183;p25"/>
+          <p:cNvPr id="188" name="Google Shape;188;p25"/>
           <p:cNvSpPr txBox="1"/>
           <p:nvPr>
             <p:ph idx="1" type="body"/>
@@ -9297,7 +9297,7 @@
       </p:sp>
       <p:pic>
         <p:nvPicPr>
-          <p:cNvPr id="184" name="Google Shape;184;p25"/>
+          <p:cNvPr id="189" name="Google Shape;189;p25"/>
           <p:cNvPicPr preferRelativeResize="0"/>
           <p:nvPr/>
         </p:nvPicPr>
@@ -9325,7 +9325,7 @@
       </p:pic>
       <p:pic>
         <p:nvPicPr>
-          <p:cNvPr id="185" name="Google Shape;185;p25"/>
+          <p:cNvPr id="190" name="Google Shape;190;p25"/>
           <p:cNvPicPr preferRelativeResize="0"/>
           <p:nvPr/>
         </p:nvPicPr>
@@ -9364,7 +9364,7 @@
   <p:cSld>
     <p:spTree>
       <p:nvGrpSpPr>
-        <p:cNvPr id="189" name="Shape 189"/>
+        <p:cNvPr id="194" name="Shape 194"/>
         <p:cNvGrpSpPr/>
         <p:nvPr/>
       </p:nvGrpSpPr>
@@ -9378,7 +9378,7 @@
       </p:grpSpPr>
       <p:sp>
         <p:nvSpPr>
-          <p:cNvPr id="190" name="Google Shape;190;p26"/>
+          <p:cNvPr id="195" name="Google Shape;195;p26"/>
           <p:cNvSpPr txBox="1"/>
           <p:nvPr>
             <p:ph type="title"/>
@@ -9418,7 +9418,7 @@
       </p:sp>
       <p:sp>
         <p:nvSpPr>
-          <p:cNvPr id="191" name="Google Shape;191;p26"/>
+          <p:cNvPr id="196" name="Google Shape;196;p26"/>
           <p:cNvSpPr txBox="1"/>
           <p:nvPr>
             <p:ph idx="1" type="body"/>
@@ -9505,7 +9505,7 @@
       </p:sp>
       <p:pic>
         <p:nvPicPr>
-          <p:cNvPr id="192" name="Google Shape;192;p26"/>
+          <p:cNvPr id="197" name="Google Shape;197;p26"/>
           <p:cNvPicPr preferRelativeResize="0"/>
           <p:nvPr/>
         </p:nvPicPr>
@@ -9533,7 +9533,7 @@
       </p:pic>
       <p:pic>
         <p:nvPicPr>
-          <p:cNvPr id="193" name="Google Shape;193;p26"/>
+          <p:cNvPr id="198" name="Google Shape;198;p26"/>
           <p:cNvPicPr preferRelativeResize="0"/>
           <p:nvPr/>
         </p:nvPicPr>
@@ -9561,7 +9561,7 @@
       </p:pic>
       <p:pic>
         <p:nvPicPr>
-          <p:cNvPr id="194" name="Google Shape;194;p26"/>
+          <p:cNvPr id="199" name="Google Shape;199;p26"/>
           <p:cNvPicPr preferRelativeResize="0"/>
           <p:nvPr/>
         </p:nvPicPr>
@@ -9589,7 +9589,7 @@
       </p:pic>
       <p:pic>
         <p:nvPicPr>
-          <p:cNvPr id="195" name="Google Shape;195;p26"/>
+          <p:cNvPr id="200" name="Google Shape;200;p26"/>
           <p:cNvPicPr preferRelativeResize="0"/>
           <p:nvPr/>
         </p:nvPicPr>
@@ -9617,7 +9617,7 @@
       </p:pic>
       <p:pic>
         <p:nvPicPr>
-          <p:cNvPr id="196" name="Google Shape;196;p26"/>
+          <p:cNvPr id="201" name="Google Shape;201;p26"/>
           <p:cNvPicPr preferRelativeResize="0"/>
           <p:nvPr/>
         </p:nvPicPr>
@@ -9645,7 +9645,7 @@
       </p:pic>
       <p:sp>
         <p:nvSpPr>
-          <p:cNvPr id="197" name="Google Shape;197;p26"/>
+          <p:cNvPr id="202" name="Google Shape;202;p26"/>
           <p:cNvSpPr txBox="1"/>
           <p:nvPr/>
         </p:nvSpPr>
@@ -9691,7 +9691,7 @@
       </p:sp>
       <p:sp>
         <p:nvSpPr>
-          <p:cNvPr id="198" name="Google Shape;198;p26"/>
+          <p:cNvPr id="203" name="Google Shape;203;p26"/>
           <p:cNvSpPr txBox="1"/>
           <p:nvPr/>
         </p:nvSpPr>
@@ -9733,7 +9733,7 @@
       </p:sp>
       <p:pic>
         <p:nvPicPr>
-          <p:cNvPr id="199" name="Google Shape;199;p26"/>
+          <p:cNvPr id="204" name="Google Shape;204;p26"/>
           <p:cNvPicPr preferRelativeResize="0"/>
           <p:nvPr/>
         </p:nvPicPr>
@@ -9761,7 +9761,7 @@
       </p:pic>
       <p:pic>
         <p:nvPicPr>
-          <p:cNvPr id="200" name="Google Shape;200;p26"/>
+          <p:cNvPr id="205" name="Google Shape;205;p26"/>
           <p:cNvPicPr preferRelativeResize="0"/>
           <p:nvPr/>
         </p:nvPicPr>
@@ -9800,7 +9800,7 @@
   <p:cSld>
     <p:spTree>
       <p:nvGrpSpPr>
-        <p:cNvPr id="204" name="Shape 204"/>
+        <p:cNvPr id="209" name="Shape 209"/>
         <p:cNvGrpSpPr/>
         <p:nvPr/>
       </p:nvGrpSpPr>
@@ -9814,7 +9814,7 @@
       </p:grpSpPr>
       <p:sp>
         <p:nvSpPr>
-          <p:cNvPr id="205" name="Google Shape;205;p27"/>
+          <p:cNvPr id="210" name="Google Shape;210;p27"/>
           <p:cNvSpPr txBox="1"/>
           <p:nvPr>
             <p:ph type="title"/>
@@ -9854,7 +9854,7 @@
       </p:sp>
       <p:sp>
         <p:nvSpPr>
-          <p:cNvPr id="206" name="Google Shape;206;p27"/>
+          <p:cNvPr id="211" name="Google Shape;211;p27"/>
           <p:cNvSpPr txBox="1"/>
           <p:nvPr>
             <p:ph idx="1" type="body"/>
@@ -10021,7 +10021,15 @@
             </a:r>
             <a:r>
               <a:rPr lang="en" sz="1350"/>
-              <a:t>, I like playing _______ with my friends and going to the school, I speak </a:t>
+              <a:t>, I like playing _______ with my friends and my </a:t>
+            </a:r>
+            <a:r>
+              <a:rPr lang="en" sz="1350"/>
+              <a:t>favorite</a:t>
+            </a:r>
+            <a:r>
+              <a:rPr lang="en" sz="1350"/>
+              <a:t> player is </a:t>
             </a:r>
             <a:r>
               <a:rPr lang="en" sz="1350">
@@ -10029,11 +10037,23 @@
                   <a:srgbClr val="FF0000"/>
                 </a:solidFill>
               </a:rPr>
+              <a:t>Ronaldo</a:t>
+            </a:r>
+            <a:r>
+              <a:rPr lang="en" sz="1350"/>
+              <a:t>, I speak </a:t>
+            </a:r>
+            <a:r>
+              <a:rPr lang="en" sz="1350">
+                <a:solidFill>
+                  <a:srgbClr val="000000"/>
+                </a:solidFill>
+              </a:rPr>
               <a:t>portuguese</a:t>
             </a:r>
             <a:endParaRPr sz="1350">
               <a:solidFill>
-                <a:srgbClr val="FF0000"/>
+                <a:srgbClr val="000000"/>
               </a:solidFill>
             </a:endParaRPr>
           </a:p>
@@ -10095,7 +10115,7 @@
       </p:sp>
       <p:pic>
         <p:nvPicPr>
-          <p:cNvPr id="207" name="Google Shape;207;p27"/>
+          <p:cNvPr id="212" name="Google Shape;212;p27"/>
           <p:cNvPicPr preferRelativeResize="0"/>
           <p:nvPr/>
         </p:nvPicPr>
@@ -10134,7 +10154,7 @@
   <p:cSld>
     <p:spTree>
       <p:nvGrpSpPr>
-        <p:cNvPr id="211" name="Shape 211"/>
+        <p:cNvPr id="216" name="Shape 216"/>
         <p:cNvGrpSpPr/>
         <p:nvPr/>
       </p:nvGrpSpPr>
@@ -10148,7 +10168,7 @@
       </p:grpSpPr>
       <p:sp>
         <p:nvSpPr>
-          <p:cNvPr id="212" name="Google Shape;212;p28"/>
+          <p:cNvPr id="217" name="Google Shape;217;p28"/>
           <p:cNvSpPr txBox="1"/>
           <p:nvPr>
             <p:ph type="title"/>
@@ -10188,7 +10208,7 @@
       </p:sp>
       <p:sp>
         <p:nvSpPr>
-          <p:cNvPr id="213" name="Google Shape;213;p28"/>
+          <p:cNvPr id="218" name="Google Shape;218;p28"/>
           <p:cNvSpPr txBox="1"/>
           <p:nvPr>
             <p:ph idx="1" type="body"/>
@@ -10297,7 +10317,7 @@
       </p:sp>
       <p:pic>
         <p:nvPicPr>
-          <p:cNvPr id="214" name="Google Shape;214;p28"/>
+          <p:cNvPr id="219" name="Google Shape;219;p28"/>
           <p:cNvPicPr preferRelativeResize="0"/>
           <p:nvPr/>
         </p:nvPicPr>
@@ -10325,12 +10345,12 @@
       </p:pic>
       <p:graphicFrame>
         <p:nvGraphicFramePr>
-          <p:cNvPr id="215" name="Google Shape;215;p28"/>
+          <p:cNvPr id="220" name="Google Shape;220;p28"/>
           <p:cNvGraphicFramePr/>
           <p:nvPr/>
         </p:nvGraphicFramePr>
         <p:xfrm>
-          <a:off x="1103175" y="2181550"/>
+          <a:off x="1018025" y="2188650"/>
           <a:ext cx="3000000" cy="3000000"/>
         </p:xfrm>
         <a:graphic>
@@ -10338,7 +10358,7 @@
             <a:tbl>
               <a:tblPr>
                 <a:noFill/>
-                <a:tableStyleId>{D83B3B86-46BB-41AF-94D4-DAC1DE6627D6}</a:tableStyleId>
+                <a:tableStyleId>{83019F52-96C7-4E77-90DA-8E2A73AD6BC2}</a:tableStyleId>
               </a:tblPr>
               <a:tblGrid>
                 <a:gridCol w="2342050"/>
@@ -10738,7 +10758,7 @@
   <p:cSld>
     <p:spTree>
       <p:nvGrpSpPr>
-        <p:cNvPr id="219" name="Shape 219"/>
+        <p:cNvPr id="224" name="Shape 224"/>
         <p:cNvGrpSpPr/>
         <p:nvPr/>
       </p:nvGrpSpPr>
@@ -10752,7 +10772,7 @@
       </p:grpSpPr>
       <p:sp>
         <p:nvSpPr>
-          <p:cNvPr id="220" name="Google Shape;220;p29"/>
+          <p:cNvPr id="225" name="Google Shape;225;p29"/>
           <p:cNvSpPr txBox="1"/>
           <p:nvPr>
             <p:ph type="title"/>
@@ -10792,7 +10812,7 @@
       </p:sp>
       <p:sp>
         <p:nvSpPr>
-          <p:cNvPr id="221" name="Google Shape;221;p29"/>
+          <p:cNvPr id="226" name="Google Shape;226;p29"/>
           <p:cNvSpPr txBox="1"/>
           <p:nvPr>
             <p:ph idx="1" type="body"/>
@@ -10800,7 +10820,7 @@
         </p:nvSpPr>
         <p:spPr>
           <a:xfrm>
-            <a:off x="311700" y="1225225"/>
+            <a:off x="1120450" y="894750"/>
             <a:ext cx="8520600" cy="3354000"/>
           </a:xfrm>
           <a:prstGeom prst="rect">
@@ -10813,24 +10833,9 @@
           </a:bodyPr>
           <a:lstStyle/>
           <a:p>
-            <a:pPr indent="0" lvl="0" marL="457200" rtl="0" algn="l">
-              <a:spcBef>
-                <a:spcPts val="0"/>
-              </a:spcBef>
-              <a:spcAft>
-                <a:spcPts val="0"/>
-              </a:spcAft>
-              <a:buNone/>
-            </a:pPr>
-            <a:r>
-              <a:t/>
-            </a:r>
-            <a:endParaRPr/>
-          </a:p>
-          <a:p>
-            <a:pPr indent="0" lvl="0" marL="457200" rtl="0" algn="l">
-              <a:spcBef>
-                <a:spcPts val="1600"/>
+            <a:pPr indent="0" lvl="0" marL="0" rtl="0" algn="l">
+              <a:spcBef>
+                <a:spcPts val="0"/>
               </a:spcBef>
               <a:spcAft>
                 <a:spcPts val="0"/>
@@ -10855,11 +10860,32 @@
             </a:pPr>
             <a:r>
               <a:rPr lang="en" sz="2400"/>
-              <a:t>Improve LSTM model (GLoVe, Dropout)</a:t>
+              <a:t>Improve LSTM model</a:t>
             </a:r>
             <a:endParaRPr sz="2400"/>
           </a:p>
           <a:p>
+            <a:pPr indent="-381000" lvl="1" marL="914400" rtl="0" algn="l">
+              <a:spcBef>
+                <a:spcPts val="0"/>
+              </a:spcBef>
+              <a:spcAft>
+                <a:spcPts val="0"/>
+              </a:spcAft>
+              <a:buSzPts val="2400"/>
+              <a:buChar char="○"/>
+            </a:pPr>
+            <a:r>
+              <a:rPr lang="en" sz="2400"/>
+              <a:t> </a:t>
+            </a:r>
+            <a:r>
+              <a:rPr lang="en" sz="1800"/>
+              <a:t>GLoVe, Dropout</a:t>
+            </a:r>
+            <a:endParaRPr sz="1800"/>
+          </a:p>
+          <a:p>
             <a:pPr indent="-381000" lvl="0" marL="457200" rtl="0" algn="l">
               <a:spcBef>
                 <a:spcPts val="0"/>
@@ -10877,6 +10903,23 @@
             <a:endParaRPr sz="2400"/>
           </a:p>
           <a:p>
+            <a:pPr indent="-342900" lvl="1" marL="914400" marR="457200" rtl="0" algn="l">
+              <a:spcBef>
+                <a:spcPts val="0"/>
+              </a:spcBef>
+              <a:spcAft>
+                <a:spcPts val="0"/>
+              </a:spcAft>
+              <a:buSzPts val="1800"/>
+              <a:buChar char="○"/>
+            </a:pPr>
+            <a:r>
+              <a:rPr lang="en" sz="1800"/>
+              <a:t>Number/portion of capitals</a:t>
+            </a:r>
+            <a:endParaRPr sz="1800"/>
+          </a:p>
+          <a:p>
             <a:pPr indent="-381000" lvl="0" marL="457200" rtl="0" algn="l">
               <a:spcBef>
                 <a:spcPts val="0"/>
@@ -10894,6 +10937,23 @@
             <a:r>
               <a:rPr lang="en" sz="2400"/>
               <a:t>ensemble</a:t>
+            </a:r>
+            <a:endParaRPr sz="2400"/>
+          </a:p>
+          <a:p>
+            <a:pPr indent="-381000" lvl="1" marL="914400" rtl="0" algn="l">
+              <a:spcBef>
+                <a:spcPts val="0"/>
+              </a:spcBef>
+              <a:spcAft>
+                <a:spcPts val="0"/>
+              </a:spcAft>
+              <a:buSzPts val="2400"/>
+              <a:buChar char="○"/>
+            </a:pPr>
+            <a:r>
+              <a:rPr lang="en" sz="1800"/>
+              <a:t>SVM, Naive-Bayes</a:t>
             </a:r>
             <a:endParaRPr sz="2400"/>
           </a:p>
@@ -10901,7 +10961,7 @@
       </p:sp>
       <p:pic>
         <p:nvPicPr>
-          <p:cNvPr id="222" name="Google Shape;222;p29"/>
+          <p:cNvPr id="227" name="Google Shape;227;p29"/>
           <p:cNvPicPr preferRelativeResize="0"/>
           <p:nvPr/>
         </p:nvPicPr>
@@ -10940,7 +11000,7 @@
   <p:cSld>
     <p:spTree>
       <p:nvGrpSpPr>
-        <p:cNvPr id="226" name="Shape 226"/>
+        <p:cNvPr id="231" name="Shape 231"/>
         <p:cNvGrpSpPr/>
         <p:nvPr/>
       </p:nvGrpSpPr>
@@ -10954,7 +11014,7 @@
       </p:grpSpPr>
       <p:sp>
         <p:nvSpPr>
-          <p:cNvPr id="227" name="Google Shape;227;p30"/>
+          <p:cNvPr id="232" name="Google Shape;232;p30"/>
           <p:cNvSpPr txBox="1"/>
           <p:nvPr>
             <p:ph type="title"/>
@@ -10993,7 +11053,7 @@
       </p:sp>
       <p:sp>
         <p:nvSpPr>
-          <p:cNvPr id="228" name="Google Shape;228;p30"/>
+          <p:cNvPr id="233" name="Google Shape;233;p30"/>
           <p:cNvSpPr txBox="1"/>
           <p:nvPr>
             <p:ph idx="1" type="body"/>
@@ -11033,7 +11093,7 @@
       </p:sp>
       <p:pic>
         <p:nvPicPr>
-          <p:cNvPr id="229" name="Google Shape;229;p30"/>
+          <p:cNvPr id="234" name="Google Shape;234;p30"/>
           <p:cNvPicPr preferRelativeResize="0"/>
           <p:nvPr/>
         </p:nvPicPr>
@@ -11072,7 +11132,7 @@
   <p:cSld>
     <p:spTree>
       <p:nvGrpSpPr>
-        <p:cNvPr id="233" name="Shape 233"/>
+        <p:cNvPr id="238" name="Shape 238"/>
         <p:cNvGrpSpPr/>
         <p:nvPr/>
       </p:nvGrpSpPr>
@@ -11086,7 +11146,7 @@
       </p:grpSpPr>
       <p:sp>
         <p:nvSpPr>
-          <p:cNvPr id="234" name="Google Shape;234;p31"/>
+          <p:cNvPr id="239" name="Google Shape;239;p31"/>
           <p:cNvSpPr txBox="1"/>
           <p:nvPr>
             <p:ph type="title"/>
@@ -11125,7 +11185,7 @@
       </p:sp>
       <p:sp>
         <p:nvSpPr>
-          <p:cNvPr id="235" name="Google Shape;235;p31"/>
+          <p:cNvPr id="240" name="Google Shape;240;p31"/>
           <p:cNvSpPr txBox="1"/>
           <p:nvPr>
             <p:ph idx="1" type="body"/>
@@ -11441,7 +11501,7 @@
                   <a:cs typeface="Roboto"/>
                   <a:sym typeface="Roboto"/>
                 </a:rPr>
-                <a:t>Get Data</a:t>
+                <a:t>Look into Data</a:t>
               </a:r>
               <a:endParaRPr b="1" sz="1000">
                 <a:solidFill>
@@ -12223,7 +12283,7 @@
                   <a:cs typeface="Roboto"/>
                   <a:sym typeface="Roboto"/>
                 </a:rPr>
-                <a:t>evaluation</a:t>
+                <a:t>Evaluation</a:t>
               </a:r>
               <a:r>
                 <a:rPr b="1" lang="en" sz="1000">
@@ -12471,7 +12531,7 @@
                   <a:cs typeface="Roboto"/>
                   <a:sym typeface="Roboto"/>
                 </a:rPr>
-                <a:t>improvement</a:t>
+                <a:t>Improvement</a:t>
               </a:r>
               <a:r>
                 <a:rPr b="1" lang="en" sz="1000">
@@ -12624,7 +12684,7 @@
   <p:cSld>
     <p:spTree>
       <p:nvGrpSpPr>
-        <p:cNvPr id="239" name="Shape 239"/>
+        <p:cNvPr id="244" name="Shape 244"/>
         <p:cNvGrpSpPr/>
         <p:nvPr/>
       </p:nvGrpSpPr>
@@ -12638,7 +12698,7 @@
       </p:grpSpPr>
       <p:sp>
         <p:nvSpPr>
-          <p:cNvPr id="240" name="Google Shape;240;p32"/>
+          <p:cNvPr id="245" name="Google Shape;245;p32"/>
           <p:cNvSpPr txBox="1"/>
           <p:nvPr>
             <p:ph type="title"/>
@@ -12677,7 +12737,7 @@
       </p:sp>
       <p:sp>
         <p:nvSpPr>
-          <p:cNvPr id="241" name="Google Shape;241;p32"/>
+          <p:cNvPr id="246" name="Google Shape;246;p32"/>
           <p:cNvSpPr txBox="1"/>
           <p:nvPr>
             <p:ph idx="1" type="body"/>
@@ -12727,7 +12787,7 @@
   <p:cSld>
     <p:spTree>
       <p:nvGrpSpPr>
-        <p:cNvPr id="245" name="Shape 245"/>
+        <p:cNvPr id="250" name="Shape 250"/>
         <p:cNvGrpSpPr/>
         <p:nvPr/>
       </p:nvGrpSpPr>
@@ -12741,7 +12801,7 @@
       </p:grpSpPr>
       <p:sp>
         <p:nvSpPr>
-          <p:cNvPr id="246" name="Google Shape;246;p33"/>
+          <p:cNvPr id="251" name="Google Shape;251;p33"/>
           <p:cNvSpPr txBox="1"/>
           <p:nvPr>
             <p:ph type="title"/>
@@ -12781,7 +12841,7 @@
       </p:sp>
       <p:sp>
         <p:nvSpPr>
-          <p:cNvPr id="247" name="Google Shape;247;p33"/>
+          <p:cNvPr id="252" name="Google Shape;252;p33"/>
           <p:cNvSpPr txBox="1"/>
           <p:nvPr>
             <p:ph idx="1" type="body"/>
@@ -13147,7 +13207,7 @@
       </p:sp>
       <p:pic>
         <p:nvPicPr>
-          <p:cNvPr id="248" name="Google Shape;248;p33"/>
+          <p:cNvPr id="253" name="Google Shape;253;p33"/>
           <p:cNvPicPr preferRelativeResize="0"/>
           <p:nvPr/>
         </p:nvPicPr>
@@ -13285,7 +13345,7 @@
             <a:tbl>
               <a:tblPr>
                 <a:noFill/>
-                <a:tableStyleId>{D83B3B86-46BB-41AF-94D4-DAC1DE6627D6}</a:tableStyleId>
+                <a:tableStyleId>{83019F52-96C7-4E77-90DA-8E2A73AD6BC2}</a:tableStyleId>
               </a:tblPr>
               <a:tblGrid>
                 <a:gridCol w="411925"/>
@@ -13298,7 +13358,7 @@
                 <a:gridCol w="753750"/>
                 <a:gridCol w="1088350"/>
               </a:tblGrid>
-              <a:tr h="339275">
+              <a:tr h="309975">
                 <a:tc>
                   <a:txBody>
                     <a:bodyPr>
@@ -13524,7 +13584,7 @@
                   <a:tcPr marT="91425" marB="91425" marR="91425" marL="91425"/>
                 </a:tc>
               </a:tr>
-              <a:tr h="542475">
+              <a:tr h="532575">
                 <a:tc>
                   <a:txBody>
                     <a:bodyPr>
@@ -13751,7 +13811,7 @@
                   <a:tcPr marT="91425" marB="91425" marR="91425" marL="91425"/>
                 </a:tc>
               </a:tr>
-              <a:tr h="709150">
+              <a:tr h="696200">
                 <a:tc>
                   <a:txBody>
                     <a:bodyPr>
@@ -13999,690 +14059,6 @@
                   <a:tcPr marT="91425" marB="91425" marR="91425" marL="91425"/>
                 </a:tc>
               </a:tr>
-              <a:tr h="418375">
-                <a:tc>
-                  <a:txBody>
-                    <a:bodyPr>
-                      <a:noAutofit/>
-                    </a:bodyPr>
-                    <a:lstStyle/>
-                    <a:p>
-                      <a:pPr indent="0" lvl="0" marL="0" rtl="0" algn="ctr">
-                        <a:spcBef>
-                          <a:spcPts val="0"/>
-                        </a:spcBef>
-                        <a:spcAft>
-                          <a:spcPts val="0"/>
-                        </a:spcAft>
-                        <a:buNone/>
-                      </a:pPr>
-                      <a:r>
-                        <a:rPr lang="en" sz="900"/>
-                        <a:t>2</a:t>
-                      </a:r>
-                      <a:endParaRPr sz="900"/>
-                    </a:p>
-                  </a:txBody>
-                  <a:tcPr marT="91425" marB="91425" marR="91425" marL="91425"/>
-                </a:tc>
-                <a:tc>
-                  <a:txBody>
-                    <a:bodyPr>
-                      <a:noAutofit/>
-                    </a:bodyPr>
-                    <a:lstStyle/>
-                    <a:p>
-                      <a:pPr indent="0" lvl="0" marL="0" rtl="0" algn="ctr">
-                        <a:spcBef>
-                          <a:spcPts val="0"/>
-                        </a:spcBef>
-                        <a:spcAft>
-                          <a:spcPts val="0"/>
-                        </a:spcAft>
-                        <a:buNone/>
-                      </a:pPr>
-                      <a:r>
-                        <a:rPr lang="en" sz="900"/>
-                        <a:t>54037174</a:t>
-                      </a:r>
-                      <a:endParaRPr sz="900"/>
-                    </a:p>
-                  </a:txBody>
-                  <a:tcPr marT="91425" marB="91425" marR="91425" marL="91425"/>
-                </a:tc>
-                <a:tc>
-                  <a:txBody>
-                    <a:bodyPr>
-                      <a:noAutofit/>
-                    </a:bodyPr>
-                    <a:lstStyle/>
-                    <a:p>
-                      <a:pPr indent="0" lvl="0" marL="0" rtl="0" algn="ctr">
-                        <a:lnSpc>
-                          <a:spcPct val="115000"/>
-                        </a:lnSpc>
-                        <a:spcBef>
-                          <a:spcPts val="0"/>
-                        </a:spcBef>
-                        <a:spcAft>
-                          <a:spcPts val="0"/>
-                        </a:spcAft>
-                        <a:buNone/>
-                      </a:pPr>
-                      <a:r>
-                        <a:rPr lang="en" sz="900"/>
-                        <a:t>"\n\n ""Points of interest"" \n\nI removed the ...</a:t>
-                      </a:r>
-                      <a:endParaRPr sz="900"/>
-                    </a:p>
-                  </a:txBody>
-                  <a:tcPr marT="57150" marB="57150" marR="57150" marL="57150" anchor="ctr"/>
-                </a:tc>
-                <a:tc>
-                  <a:txBody>
-                    <a:bodyPr>
-                      <a:noAutofit/>
-                    </a:bodyPr>
-                    <a:lstStyle/>
-                    <a:p>
-                      <a:pPr indent="0" lvl="0" marL="0" rtl="0" algn="ctr">
-                        <a:spcBef>
-                          <a:spcPts val="0"/>
-                        </a:spcBef>
-                        <a:spcAft>
-                          <a:spcPts val="0"/>
-                        </a:spcAft>
-                        <a:buNone/>
-                      </a:pPr>
-                      <a:r>
-                        <a:rPr lang="en" sz="900"/>
-                        <a:t>0</a:t>
-                      </a:r>
-                      <a:endParaRPr sz="900"/>
-                    </a:p>
-                  </a:txBody>
-                  <a:tcPr marT="91425" marB="91425" marR="91425" marL="91425"/>
-                </a:tc>
-                <a:tc>
-                  <a:txBody>
-                    <a:bodyPr>
-                      <a:noAutofit/>
-                    </a:bodyPr>
-                    <a:lstStyle/>
-                    <a:p>
-                      <a:pPr indent="0" lvl="0" marL="0" rtl="0" algn="ctr">
-                        <a:spcBef>
-                          <a:spcPts val="0"/>
-                        </a:spcBef>
-                        <a:spcAft>
-                          <a:spcPts val="0"/>
-                        </a:spcAft>
-                        <a:buNone/>
-                      </a:pPr>
-                      <a:r>
-                        <a:rPr lang="en" sz="900"/>
-                        <a:t>0</a:t>
-                      </a:r>
-                      <a:endParaRPr sz="900"/>
-                    </a:p>
-                  </a:txBody>
-                  <a:tcPr marT="91425" marB="91425" marR="91425" marL="91425"/>
-                </a:tc>
-                <a:tc>
-                  <a:txBody>
-                    <a:bodyPr>
-                      <a:noAutofit/>
-                    </a:bodyPr>
-                    <a:lstStyle/>
-                    <a:p>
-                      <a:pPr indent="0" lvl="0" marL="0" rtl="0" algn="ctr">
-                        <a:spcBef>
-                          <a:spcPts val="0"/>
-                        </a:spcBef>
-                        <a:spcAft>
-                          <a:spcPts val="0"/>
-                        </a:spcAft>
-                        <a:buNone/>
-                      </a:pPr>
-                      <a:r>
-                        <a:rPr lang="en" sz="900"/>
-                        <a:t>0</a:t>
-                      </a:r>
-                      <a:endParaRPr sz="900"/>
-                    </a:p>
-                  </a:txBody>
-                  <a:tcPr marT="91425" marB="91425" marR="91425" marL="91425"/>
-                </a:tc>
-                <a:tc>
-                  <a:txBody>
-                    <a:bodyPr>
-                      <a:noAutofit/>
-                    </a:bodyPr>
-                    <a:lstStyle/>
-                    <a:p>
-                      <a:pPr indent="0" lvl="0" marL="0" rtl="0" algn="ctr">
-                        <a:spcBef>
-                          <a:spcPts val="0"/>
-                        </a:spcBef>
-                        <a:spcAft>
-                          <a:spcPts val="0"/>
-                        </a:spcAft>
-                        <a:buNone/>
-                      </a:pPr>
-                      <a:r>
-                        <a:rPr lang="en" sz="900"/>
-                        <a:t>0</a:t>
-                      </a:r>
-                      <a:endParaRPr sz="900"/>
-                    </a:p>
-                  </a:txBody>
-                  <a:tcPr marT="91425" marB="91425" marR="91425" marL="91425"/>
-                </a:tc>
-                <a:tc>
-                  <a:txBody>
-                    <a:bodyPr>
-                      <a:noAutofit/>
-                    </a:bodyPr>
-                    <a:lstStyle/>
-                    <a:p>
-                      <a:pPr indent="0" lvl="0" marL="0" rtl="0" algn="ctr">
-                        <a:spcBef>
-                          <a:spcPts val="0"/>
-                        </a:spcBef>
-                        <a:spcAft>
-                          <a:spcPts val="0"/>
-                        </a:spcAft>
-                        <a:buNone/>
-                      </a:pPr>
-                      <a:r>
-                        <a:rPr lang="en" sz="900"/>
-                        <a:t>0</a:t>
-                      </a:r>
-                      <a:endParaRPr sz="900"/>
-                    </a:p>
-                  </a:txBody>
-                  <a:tcPr marT="91425" marB="91425" marR="91425" marL="91425"/>
-                </a:tc>
-                <a:tc>
-                  <a:txBody>
-                    <a:bodyPr>
-                      <a:noAutofit/>
-                    </a:bodyPr>
-                    <a:lstStyle/>
-                    <a:p>
-                      <a:pPr indent="0" lvl="0" marL="0" rtl="0" algn="ctr">
-                        <a:spcBef>
-                          <a:spcPts val="0"/>
-                        </a:spcBef>
-                        <a:spcAft>
-                          <a:spcPts val="0"/>
-                        </a:spcAft>
-                        <a:buNone/>
-                      </a:pPr>
-                      <a:r>
-                        <a:rPr lang="en" sz="900"/>
-                        <a:t>0</a:t>
-                      </a:r>
-                      <a:endParaRPr sz="900"/>
-                    </a:p>
-                  </a:txBody>
-                  <a:tcPr marT="91425" marB="91425" marR="91425" marL="91425"/>
-                </a:tc>
-              </a:tr>
-              <a:tr h="542475">
-                <a:tc>
-                  <a:txBody>
-                    <a:bodyPr>
-                      <a:noAutofit/>
-                    </a:bodyPr>
-                    <a:lstStyle/>
-                    <a:p>
-                      <a:pPr indent="0" lvl="0" marL="0" rtl="0" algn="ctr">
-                        <a:spcBef>
-                          <a:spcPts val="0"/>
-                        </a:spcBef>
-                        <a:spcAft>
-                          <a:spcPts val="0"/>
-                        </a:spcAft>
-                        <a:buNone/>
-                      </a:pPr>
-                      <a:r>
-                        <a:rPr lang="en" sz="900"/>
-                        <a:t>3</a:t>
-                      </a:r>
-                      <a:endParaRPr sz="900"/>
-                    </a:p>
-                  </a:txBody>
-                  <a:tcPr marT="91425" marB="91425" marR="91425" marL="91425"/>
-                </a:tc>
-                <a:tc>
-                  <a:txBody>
-                    <a:bodyPr>
-                      <a:noAutofit/>
-                    </a:bodyPr>
-                    <a:lstStyle/>
-                    <a:p>
-                      <a:pPr indent="0" lvl="0" marL="0" rtl="0" algn="ctr">
-                        <a:spcBef>
-                          <a:spcPts val="0"/>
-                        </a:spcBef>
-                        <a:spcAft>
-                          <a:spcPts val="0"/>
-                        </a:spcAft>
-                        <a:buNone/>
-                      </a:pPr>
-                      <a:r>
-                        <a:rPr lang="en" sz="900"/>
-                        <a:t>77493077</a:t>
-                      </a:r>
-                      <a:endParaRPr sz="900"/>
-                    </a:p>
-                  </a:txBody>
-                  <a:tcPr marT="91425" marB="91425" marR="91425" marL="91425"/>
-                </a:tc>
-                <a:tc>
-                  <a:txBody>
-                    <a:bodyPr>
-                      <a:noAutofit/>
-                    </a:bodyPr>
-                    <a:lstStyle/>
-                    <a:p>
-                      <a:pPr indent="0" lvl="0" marL="0" rtl="0" algn="ctr">
-                        <a:spcBef>
-                          <a:spcPts val="0"/>
-                        </a:spcBef>
-                        <a:spcAft>
-                          <a:spcPts val="0"/>
-                        </a:spcAft>
-                        <a:buNone/>
-                      </a:pPr>
-                      <a:r>
-                        <a:rPr lang="en" sz="900"/>
-                        <a:t>Asking some his nationality is a Racial offence ...</a:t>
-                      </a:r>
-                      <a:endParaRPr sz="900"/>
-                    </a:p>
-                  </a:txBody>
-                  <a:tcPr marT="91425" marB="91425" marR="91425" marL="91425"/>
-                </a:tc>
-                <a:tc>
-                  <a:txBody>
-                    <a:bodyPr>
-                      <a:noAutofit/>
-                    </a:bodyPr>
-                    <a:lstStyle/>
-                    <a:p>
-                      <a:pPr indent="0" lvl="0" marL="0" rtl="0" algn="ctr">
-                        <a:spcBef>
-                          <a:spcPts val="0"/>
-                        </a:spcBef>
-                        <a:spcAft>
-                          <a:spcPts val="0"/>
-                        </a:spcAft>
-                        <a:buNone/>
-                      </a:pPr>
-                      <a:r>
-                        <a:rPr lang="en" sz="900"/>
-                        <a:t>0</a:t>
-                      </a:r>
-                      <a:endParaRPr sz="900"/>
-                    </a:p>
-                  </a:txBody>
-                  <a:tcPr marT="91425" marB="91425" marR="91425" marL="91425"/>
-                </a:tc>
-                <a:tc>
-                  <a:txBody>
-                    <a:bodyPr>
-                      <a:noAutofit/>
-                    </a:bodyPr>
-                    <a:lstStyle/>
-                    <a:p>
-                      <a:pPr indent="0" lvl="0" marL="0" rtl="0" algn="ctr">
-                        <a:spcBef>
-                          <a:spcPts val="0"/>
-                        </a:spcBef>
-                        <a:spcAft>
-                          <a:spcPts val="0"/>
-                        </a:spcAft>
-                        <a:buNone/>
-                      </a:pPr>
-                      <a:r>
-                        <a:rPr lang="en" sz="900"/>
-                        <a:t>0</a:t>
-                      </a:r>
-                      <a:endParaRPr sz="900"/>
-                    </a:p>
-                  </a:txBody>
-                  <a:tcPr marT="91425" marB="91425" marR="91425" marL="91425"/>
-                </a:tc>
-                <a:tc>
-                  <a:txBody>
-                    <a:bodyPr>
-                      <a:noAutofit/>
-                    </a:bodyPr>
-                    <a:lstStyle/>
-                    <a:p>
-                      <a:pPr indent="0" lvl="0" marL="0" rtl="0" algn="ctr">
-                        <a:spcBef>
-                          <a:spcPts val="0"/>
-                        </a:spcBef>
-                        <a:spcAft>
-                          <a:spcPts val="0"/>
-                        </a:spcAft>
-                        <a:buNone/>
-                      </a:pPr>
-                      <a:r>
-                        <a:rPr lang="en" sz="900"/>
-                        <a:t>0</a:t>
-                      </a:r>
-                      <a:endParaRPr sz="900"/>
-                    </a:p>
-                  </a:txBody>
-                  <a:tcPr marT="91425" marB="91425" marR="91425" marL="91425"/>
-                </a:tc>
-                <a:tc>
-                  <a:txBody>
-                    <a:bodyPr>
-                      <a:noAutofit/>
-                    </a:bodyPr>
-                    <a:lstStyle/>
-                    <a:p>
-                      <a:pPr indent="0" lvl="0" marL="0" rtl="0" algn="ctr">
-                        <a:spcBef>
-                          <a:spcPts val="0"/>
-                        </a:spcBef>
-                        <a:spcAft>
-                          <a:spcPts val="0"/>
-                        </a:spcAft>
-                        <a:buNone/>
-                      </a:pPr>
-                      <a:r>
-                        <a:rPr lang="en" sz="900"/>
-                        <a:t>0</a:t>
-                      </a:r>
-                      <a:endParaRPr sz="900"/>
-                    </a:p>
-                  </a:txBody>
-                  <a:tcPr marT="91425" marB="91425" marR="91425" marL="91425"/>
-                </a:tc>
-                <a:tc>
-                  <a:txBody>
-                    <a:bodyPr>
-                      <a:noAutofit/>
-                    </a:bodyPr>
-                    <a:lstStyle/>
-                    <a:p>
-                      <a:pPr indent="0" lvl="0" marL="0" rtl="0" algn="ctr">
-                        <a:spcBef>
-                          <a:spcPts val="0"/>
-                        </a:spcBef>
-                        <a:spcAft>
-                          <a:spcPts val="0"/>
-                        </a:spcAft>
-                        <a:buNone/>
-                      </a:pPr>
-                      <a:r>
-                        <a:rPr lang="en" sz="900"/>
-                        <a:t>0</a:t>
-                      </a:r>
-                      <a:endParaRPr sz="900"/>
-                    </a:p>
-                  </a:txBody>
-                  <a:tcPr marT="91425" marB="91425" marR="91425" marL="91425"/>
-                </a:tc>
-                <a:tc>
-                  <a:txBody>
-                    <a:bodyPr>
-                      <a:noAutofit/>
-                    </a:bodyPr>
-                    <a:lstStyle/>
-                    <a:p>
-                      <a:pPr indent="0" lvl="0" marL="0" rtl="0" algn="ctr">
-                        <a:spcBef>
-                          <a:spcPts val="0"/>
-                        </a:spcBef>
-                        <a:spcAft>
-                          <a:spcPts val="0"/>
-                        </a:spcAft>
-                        <a:buNone/>
-                      </a:pPr>
-                      <a:r>
-                        <a:rPr lang="en" sz="900"/>
-                        <a:t>0</a:t>
-                      </a:r>
-                      <a:endParaRPr sz="900"/>
-                    </a:p>
-                  </a:txBody>
-                  <a:tcPr marT="91425" marB="91425" marR="91425" marL="91425"/>
-                </a:tc>
-              </a:tr>
-              <a:tr h="542475">
-                <a:tc>
-                  <a:txBody>
-                    <a:bodyPr>
-                      <a:noAutofit/>
-                    </a:bodyPr>
-                    <a:lstStyle/>
-                    <a:p>
-                      <a:pPr indent="0" lvl="0" marL="0" rtl="0" algn="ctr">
-                        <a:spcBef>
-                          <a:spcPts val="0"/>
-                        </a:spcBef>
-                        <a:spcAft>
-                          <a:spcPts val="0"/>
-                        </a:spcAft>
-                        <a:buNone/>
-                      </a:pPr>
-                      <a:r>
-                        <a:rPr lang="en" sz="900"/>
-                        <a:t>4</a:t>
-                      </a:r>
-                      <a:endParaRPr sz="900"/>
-                    </a:p>
-                  </a:txBody>
-                  <a:tcPr marT="91425" marB="91425" marR="91425" marL="91425"/>
-                </a:tc>
-                <a:tc>
-                  <a:txBody>
-                    <a:bodyPr>
-                      <a:noAutofit/>
-                    </a:bodyPr>
-                    <a:lstStyle/>
-                    <a:p>
-                      <a:pPr indent="0" lvl="0" marL="0" rtl="0" algn="ctr">
-                        <a:spcBef>
-                          <a:spcPts val="0"/>
-                        </a:spcBef>
-                        <a:spcAft>
-                          <a:spcPts val="0"/>
-                        </a:spcAft>
-                        <a:buNone/>
-                      </a:pPr>
-                      <a:r>
-                        <a:rPr lang="en" sz="900"/>
-                        <a:t>79357270</a:t>
-                      </a:r>
-                      <a:endParaRPr sz="900"/>
-                    </a:p>
-                  </a:txBody>
-                  <a:tcPr marT="91425" marB="91425" marR="91425" marL="91425"/>
-                </a:tc>
-                <a:tc>
-                  <a:txBody>
-                    <a:bodyPr>
-                      <a:noAutofit/>
-                    </a:bodyPr>
-                    <a:lstStyle/>
-                    <a:p>
-                      <a:pPr indent="0" lvl="0" marL="0" rtl="0" algn="ctr">
-                        <a:spcBef>
-                          <a:spcPts val="0"/>
-                        </a:spcBef>
-                        <a:spcAft>
-                          <a:spcPts val="0"/>
-                        </a:spcAft>
-                        <a:buNone/>
-                      </a:pPr>
-                      <a:r>
-                        <a:rPr lang="en" sz="900"/>
-                        <a:t>The reader here is not going by my say so for ...</a:t>
-                      </a:r>
-                      <a:endParaRPr sz="900"/>
-                    </a:p>
-                  </a:txBody>
-                  <a:tcPr marT="91425" marB="91425" marR="91425" marL="91425"/>
-                </a:tc>
-                <a:tc>
-                  <a:txBody>
-                    <a:bodyPr>
-                      <a:noAutofit/>
-                    </a:bodyPr>
-                    <a:lstStyle/>
-                    <a:p>
-                      <a:pPr indent="0" lvl="0" marL="0" rtl="0" algn="ctr">
-                        <a:spcBef>
-                          <a:spcPts val="0"/>
-                        </a:spcBef>
-                        <a:spcAft>
-                          <a:spcPts val="0"/>
-                        </a:spcAft>
-                        <a:buNone/>
-                      </a:pPr>
-                      <a:r>
-                        <a:rPr lang="en" sz="900"/>
-                        <a:t>0</a:t>
-                      </a:r>
-                      <a:endParaRPr sz="900"/>
-                    </a:p>
-                  </a:txBody>
-                  <a:tcPr marT="91425" marB="91425" marR="91425" marL="91425"/>
-                </a:tc>
-                <a:tc>
-                  <a:txBody>
-                    <a:bodyPr>
-                      <a:noAutofit/>
-                    </a:bodyPr>
-                    <a:lstStyle/>
-                    <a:p>
-                      <a:pPr indent="0" lvl="0" marL="0" rtl="0" algn="ctr">
-                        <a:spcBef>
-                          <a:spcPts val="0"/>
-                        </a:spcBef>
-                        <a:spcAft>
-                          <a:spcPts val="0"/>
-                        </a:spcAft>
-                        <a:buNone/>
-                      </a:pPr>
-                      <a:r>
-                        <a:rPr lang="en" sz="900"/>
-                        <a:t>0</a:t>
-                      </a:r>
-                      <a:endParaRPr sz="900"/>
-                    </a:p>
-                  </a:txBody>
-                  <a:tcPr marT="91425" marB="91425" marR="91425" marL="91425"/>
-                </a:tc>
-                <a:tc>
-                  <a:txBody>
-                    <a:bodyPr>
-                      <a:noAutofit/>
-                    </a:bodyPr>
-                    <a:lstStyle/>
-                    <a:p>
-                      <a:pPr indent="0" lvl="0" marL="0" rtl="0" algn="ctr">
-                        <a:spcBef>
-                          <a:spcPts val="0"/>
-                        </a:spcBef>
-                        <a:spcAft>
-                          <a:spcPts val="0"/>
-                        </a:spcAft>
-                        <a:buNone/>
-                      </a:pPr>
-                      <a:r>
-                        <a:rPr lang="en" sz="900"/>
-                        <a:t>0</a:t>
-                      </a:r>
-                      <a:endParaRPr sz="900"/>
-                    </a:p>
-                  </a:txBody>
-                  <a:tcPr marT="91425" marB="91425" marR="91425" marL="91425"/>
-                </a:tc>
-                <a:tc>
-                  <a:txBody>
-                    <a:bodyPr>
-                      <a:noAutofit/>
-                    </a:bodyPr>
-                    <a:lstStyle/>
-                    <a:p>
-                      <a:pPr indent="0" lvl="0" marL="0" rtl="0" algn="ctr">
-                        <a:spcBef>
-                          <a:spcPts val="0"/>
-                        </a:spcBef>
-                        <a:spcAft>
-                          <a:spcPts val="0"/>
-                        </a:spcAft>
-                        <a:buNone/>
-                      </a:pPr>
-                      <a:r>
-                        <a:rPr lang="en" sz="900"/>
-                        <a:t>0</a:t>
-                      </a:r>
-                      <a:endParaRPr sz="900"/>
-                    </a:p>
-                  </a:txBody>
-                  <a:tcPr marT="91425" marB="91425" marR="91425" marL="91425"/>
-                </a:tc>
-                <a:tc>
-                  <a:txBody>
-                    <a:bodyPr>
-                      <a:noAutofit/>
-                    </a:bodyPr>
-                    <a:lstStyle/>
-                    <a:p>
-                      <a:pPr indent="0" lvl="0" marL="0" rtl="0" algn="ctr">
-                        <a:spcBef>
-                          <a:spcPts val="0"/>
-                        </a:spcBef>
-                        <a:spcAft>
-                          <a:spcPts val="0"/>
-                        </a:spcAft>
-                        <a:buNone/>
-                      </a:pPr>
-                      <a:r>
-                        <a:rPr lang="en" sz="900"/>
-                        <a:t>0</a:t>
-                      </a:r>
-                      <a:endParaRPr sz="900"/>
-                    </a:p>
-                  </a:txBody>
-                  <a:tcPr marT="91425" marB="91425" marR="91425" marL="91425"/>
-                </a:tc>
-                <a:tc>
-                  <a:txBody>
-                    <a:bodyPr>
-                      <a:noAutofit/>
-                    </a:bodyPr>
-                    <a:lstStyle/>
-                    <a:p>
-                      <a:pPr indent="0" lvl="0" marL="0" rtl="0" algn="ctr">
-                        <a:spcBef>
-                          <a:spcPts val="0"/>
-                        </a:spcBef>
-                        <a:spcAft>
-                          <a:spcPts val="0"/>
-                        </a:spcAft>
-                        <a:buNone/>
-                      </a:pPr>
-                      <a:r>
-                        <a:rPr lang="en" sz="900"/>
-                        <a:t>0</a:t>
-                      </a:r>
-                      <a:endParaRPr sz="900"/>
-                    </a:p>
-                  </a:txBody>
-                  <a:tcPr marT="91425" marB="91425" marR="91425" marL="91425"/>
-                </a:tc>
-              </a:tr>
             </a:tbl>
           </a:graphicData>
         </a:graphic>
@@ -14724,6 +14100,170 @@
             <a:r>
               <a:rPr lang="en"/>
               <a:t>Training data</a:t>
+            </a:r>
+            <a:endParaRPr/>
+          </a:p>
+        </p:txBody>
+      </p:sp>
+      <p:sp>
+        <p:nvSpPr>
+          <p:cNvPr id="107" name="Google Shape;107;p15"/>
+          <p:cNvSpPr txBox="1"/>
+          <p:nvPr/>
+        </p:nvSpPr>
+        <p:spPr>
+          <a:xfrm>
+            <a:off x="1333775" y="3497575"/>
+            <a:ext cx="6690000" cy="950700"/>
+          </a:xfrm>
+          <a:prstGeom prst="rect">
+            <a:avLst/>
+          </a:prstGeom>
+          <a:noFill/>
+          <a:ln>
+            <a:noFill/>
+          </a:ln>
+        </p:spPr>
+        <p:txBody>
+          <a:bodyPr anchorCtr="0" anchor="t" bIns="91425" lIns="91425" spcFirstLastPara="1" rIns="91425" wrap="square" tIns="91425">
+            <a:noAutofit/>
+          </a:bodyPr>
+          <a:lstStyle/>
+          <a:p>
+            <a:pPr indent="0" lvl="0" marL="0" rtl="0" algn="l">
+              <a:lnSpc>
+                <a:spcPct val="115000"/>
+              </a:lnSpc>
+              <a:spcBef>
+                <a:spcPts val="0"/>
+              </a:spcBef>
+              <a:spcAft>
+                <a:spcPts val="0"/>
+              </a:spcAft>
+              <a:buNone/>
+            </a:pPr>
+            <a:r>
+              <a:rPr lang="en" sz="1050">
+                <a:solidFill>
+                  <a:schemeClr val="dk1"/>
+                </a:solidFill>
+                <a:highlight>
+                  <a:srgbClr val="FFFFFF"/>
+                </a:highlight>
+              </a:rPr>
+              <a:t>Toxic:      “Nonsense?  </a:t>
+            </a:r>
+            <a:r>
+              <a:rPr lang="en" sz="1050">
+                <a:solidFill>
+                  <a:srgbClr val="FF0000"/>
+                </a:solidFill>
+                <a:highlight>
+                  <a:srgbClr val="FFFFFF"/>
+                </a:highlight>
+              </a:rPr>
+              <a:t>kiss off</a:t>
+            </a:r>
+            <a:r>
+              <a:rPr lang="en" sz="1050">
+                <a:solidFill>
+                  <a:schemeClr val="dk1"/>
+                </a:solidFill>
+                <a:highlight>
+                  <a:srgbClr val="FFFFFF"/>
+                </a:highlight>
+              </a:rPr>
+              <a:t>, geek. what I said is true.  I'll have your account terminated.”</a:t>
+            </a:r>
+            <a:endParaRPr sz="1050">
+              <a:solidFill>
+                <a:schemeClr val="dk1"/>
+              </a:solidFill>
+              <a:highlight>
+                <a:srgbClr val="FFFFFF"/>
+              </a:highlight>
+            </a:endParaRPr>
+          </a:p>
+          <a:p>
+            <a:pPr indent="0" lvl="0" marL="0" rtl="0" algn="l">
+              <a:lnSpc>
+                <a:spcPct val="115000"/>
+              </a:lnSpc>
+              <a:spcBef>
+                <a:spcPts val="0"/>
+              </a:spcBef>
+              <a:spcAft>
+                <a:spcPts val="0"/>
+              </a:spcAft>
+              <a:buClr>
+                <a:schemeClr val="dk1"/>
+              </a:buClr>
+              <a:buSzPts val="1100"/>
+              <a:buFont typeface="Arial"/>
+              <a:buNone/>
+            </a:pPr>
+            <a:r>
+              <a:t/>
+            </a:r>
+            <a:endParaRPr sz="1050">
+              <a:solidFill>
+                <a:schemeClr val="dk1"/>
+              </a:solidFill>
+              <a:highlight>
+                <a:srgbClr val="FFFFFF"/>
+              </a:highlight>
+            </a:endParaRPr>
+          </a:p>
+          <a:p>
+            <a:pPr indent="0" lvl="0" marL="0" rtl="0" algn="l">
+              <a:lnSpc>
+                <a:spcPct val="115000"/>
+              </a:lnSpc>
+              <a:spcBef>
+                <a:spcPts val="0"/>
+              </a:spcBef>
+              <a:spcAft>
+                <a:spcPts val="0"/>
+              </a:spcAft>
+              <a:buClr>
+                <a:schemeClr val="dk1"/>
+              </a:buClr>
+              <a:buSzPts val="1100"/>
+              <a:buFont typeface="Arial"/>
+              <a:buNone/>
+            </a:pPr>
+            <a:r>
+              <a:rPr lang="en" sz="1050">
+                <a:solidFill>
+                  <a:schemeClr val="dk1"/>
+                </a:solidFill>
+                <a:highlight>
+                  <a:srgbClr val="FFFFFF"/>
+                </a:highlight>
+              </a:rPr>
+              <a:t>Clean:     “Please do not vandalize pages, as you did with this edit to W. S. Merwin. If you continue to do so, you will be blocked from editing.”</a:t>
+            </a:r>
+            <a:endParaRPr sz="1050">
+              <a:solidFill>
+                <a:schemeClr val="dk1"/>
+              </a:solidFill>
+              <a:highlight>
+                <a:srgbClr val="FFFFFF"/>
+              </a:highlight>
+            </a:endParaRPr>
+          </a:p>
+          <a:p>
+            <a:pPr indent="0" lvl="0" marL="0" rtl="0" algn="l">
+              <a:spcBef>
+                <a:spcPts val="0"/>
+              </a:spcBef>
+              <a:spcAft>
+                <a:spcPts val="0"/>
+              </a:spcAft>
+              <a:buNone/>
+            </a:pPr>
+            <a:r>
+              <a:t/>
             </a:r>
             <a:endParaRPr/>
           </a:p>
@@ -14742,7 +14282,7 @@
   <p:cSld>
     <p:spTree>
       <p:nvGrpSpPr>
-        <p:cNvPr id="110" name="Shape 110"/>
+        <p:cNvPr id="111" name="Shape 111"/>
         <p:cNvGrpSpPr/>
         <p:nvPr/>
       </p:nvGrpSpPr>
@@ -14756,7 +14296,7 @@
       </p:grpSpPr>
       <p:sp>
         <p:nvSpPr>
-          <p:cNvPr id="111" name="Google Shape;111;p16"/>
+          <p:cNvPr id="112" name="Google Shape;112;p16"/>
           <p:cNvSpPr txBox="1"/>
           <p:nvPr>
             <p:ph type="title"/>
@@ -14796,7 +14336,7 @@
       </p:sp>
       <p:pic>
         <p:nvPicPr>
-          <p:cNvPr id="112" name="Google Shape;112;p16"/>
+          <p:cNvPr id="113" name="Google Shape;113;p16"/>
           <p:cNvPicPr preferRelativeResize="0"/>
           <p:nvPr/>
         </p:nvPicPr>
@@ -14824,7 +14364,7 @@
       </p:pic>
       <p:graphicFrame>
         <p:nvGraphicFramePr>
-          <p:cNvPr id="113" name="Google Shape;113;p16"/>
+          <p:cNvPr id="114" name="Google Shape;114;p16"/>
           <p:cNvGraphicFramePr/>
           <p:nvPr/>
         </p:nvGraphicFramePr>
@@ -14837,7 +14377,7 @@
             <a:tbl>
               <a:tblPr>
                 <a:noFill/>
-                <a:tableStyleId>{D83B3B86-46BB-41AF-94D4-DAC1DE6627D6}</a:tableStyleId>
+                <a:tableStyleId>{83019F52-96C7-4E77-90DA-8E2A73AD6BC2}</a:tableStyleId>
               </a:tblPr>
               <a:tblGrid>
                 <a:gridCol w="1256600"/>
@@ -15466,7 +15006,7 @@
       </p:graphicFrame>
       <p:sp>
         <p:nvSpPr>
-          <p:cNvPr id="114" name="Google Shape;114;p16"/>
+          <p:cNvPr id="115" name="Google Shape;115;p16"/>
           <p:cNvSpPr txBox="1"/>
           <p:nvPr/>
         </p:nvSpPr>
@@ -15512,7 +15052,7 @@
       </p:sp>
       <p:sp>
         <p:nvSpPr>
-          <p:cNvPr id="115" name="Google Shape;115;p16"/>
+          <p:cNvPr id="116" name="Google Shape;116;p16"/>
           <p:cNvSpPr txBox="1"/>
           <p:nvPr/>
         </p:nvSpPr>
@@ -15554,7 +15094,7 @@
       </p:sp>
       <p:pic>
         <p:nvPicPr>
-          <p:cNvPr id="116" name="Google Shape;116;p16"/>
+          <p:cNvPr id="117" name="Google Shape;117;p16"/>
           <p:cNvPicPr preferRelativeResize="0"/>
           <p:nvPr/>
         </p:nvPicPr>
@@ -15593,59 +15133,6 @@
             <p:seq concurrent="1" nextAc="seek">
               <p:cTn dur="indefinite" id="2" nodeType="mainSeq">
                 <p:childTnLst>
-                  <p:par>
-                    <p:cTn fill="hold">
-                      <p:stCondLst>
-                        <p:cond delay="indefinite"/>
-                      </p:stCondLst>
-                      <p:childTnLst>
-                        <p:par>
-                          <p:cTn fill="hold">
-                            <p:stCondLst>
-                              <p:cond delay="0"/>
-                            </p:stCondLst>
-                            <p:childTnLst>
-                              <p:par>
-                                <p:cTn fill="hold" nodeType="clickEffect" presetClass="entr" presetID="10" presetSubtype="0">
-                                  <p:stCondLst>
-                                    <p:cond delay="0"/>
-                                  </p:stCondLst>
-                                  <p:childTnLst>
-                                    <p:set>
-                                      <p:cBhvr>
-                                        <p:cTn dur="1" fill="hold">
-                                          <p:stCondLst>
-                                            <p:cond delay="0"/>
-                                          </p:stCondLst>
-                                        </p:cTn>
-                                        <p:tgtEl>
-                                          <p:spTgt spid="115"/>
-                                        </p:tgtEl>
-                                        <p:attrNameLst>
-                                          <p:attrName>style.visibility</p:attrName>
-                                        </p:attrNameLst>
-                                      </p:cBhvr>
-                                      <p:to>
-                                        <p:strVal val="visible"/>
-                                      </p:to>
-                                    </p:set>
-                                    <p:animEffect filter="fade" transition="in">
-                                      <p:cBhvr>
-                                        <p:cTn dur="1000"/>
-                                        <p:tgtEl>
-                                          <p:spTgt spid="115"/>
-                                        </p:tgtEl>
-                                      </p:cBhvr>
-                                    </p:animEffect>
-                                  </p:childTnLst>
-                                </p:cTn>
-                              </p:par>
-                            </p:childTnLst>
-                          </p:cTn>
-                        </p:par>
-                      </p:childTnLst>
-                    </p:cTn>
-                  </p:par>
                   <p:par>
                     <p:cTn fill="hold">
                       <p:stCondLst>
@@ -15699,6 +15186,59 @@
                       </p:childTnLst>
                     </p:cTn>
                   </p:par>
+                  <p:par>
+                    <p:cTn fill="hold">
+                      <p:stCondLst>
+                        <p:cond delay="indefinite"/>
+                      </p:stCondLst>
+                      <p:childTnLst>
+                        <p:par>
+                          <p:cTn fill="hold">
+                            <p:stCondLst>
+                              <p:cond delay="0"/>
+                            </p:stCondLst>
+                            <p:childTnLst>
+                              <p:par>
+                                <p:cTn fill="hold" nodeType="clickEffect" presetClass="entr" presetID="10" presetSubtype="0">
+                                  <p:stCondLst>
+                                    <p:cond delay="0"/>
+                                  </p:stCondLst>
+                                  <p:childTnLst>
+                                    <p:set>
+                                      <p:cBhvr>
+                                        <p:cTn dur="1" fill="hold">
+                                          <p:stCondLst>
+                                            <p:cond delay="0"/>
+                                          </p:stCondLst>
+                                        </p:cTn>
+                                        <p:tgtEl>
+                                          <p:spTgt spid="117"/>
+                                        </p:tgtEl>
+                                        <p:attrNameLst>
+                                          <p:attrName>style.visibility</p:attrName>
+                                        </p:attrNameLst>
+                                      </p:cBhvr>
+                                      <p:to>
+                                        <p:strVal val="visible"/>
+                                      </p:to>
+                                    </p:set>
+                                    <p:animEffect filter="fade" transition="in">
+                                      <p:cBhvr>
+                                        <p:cTn dur="1000"/>
+                                        <p:tgtEl>
+                                          <p:spTgt spid="117"/>
+                                        </p:tgtEl>
+                                      </p:cBhvr>
+                                    </p:animEffect>
+                                  </p:childTnLst>
+                                </p:cTn>
+                              </p:par>
+                            </p:childTnLst>
+                          </p:cTn>
+                        </p:par>
+                      </p:childTnLst>
+                    </p:cTn>
+                  </p:par>
                 </p:childTnLst>
               </p:cTn>
               <p:prevCondLst>
@@ -15729,7 +15269,7 @@
   <p:cSld>
     <p:spTree>
       <p:nvGrpSpPr>
-        <p:cNvPr id="120" name="Shape 120"/>
+        <p:cNvPr id="121" name="Shape 121"/>
         <p:cNvGrpSpPr/>
         <p:nvPr/>
       </p:nvGrpSpPr>
@@ -15743,7 +15283,7 @@
       </p:grpSpPr>
       <p:sp>
         <p:nvSpPr>
-          <p:cNvPr id="121" name="Google Shape;121;p17"/>
+          <p:cNvPr id="122" name="Google Shape;122;p17"/>
           <p:cNvSpPr txBox="1"/>
           <p:nvPr>
             <p:ph type="title"/>
@@ -15783,7 +15323,7 @@
       </p:sp>
       <p:sp>
         <p:nvSpPr>
-          <p:cNvPr id="122" name="Google Shape;122;p17"/>
+          <p:cNvPr id="123" name="Google Shape;123;p17"/>
           <p:cNvSpPr txBox="1"/>
           <p:nvPr>
             <p:ph idx="1" type="body"/>
@@ -15791,7 +15331,7 @@
         </p:nvSpPr>
         <p:spPr>
           <a:xfrm>
-            <a:off x="311700" y="1225225"/>
+            <a:off x="347175" y="1225225"/>
             <a:ext cx="8520600" cy="3354000"/>
           </a:xfrm>
           <a:prstGeom prst="rect">
@@ -15804,24 +15344,9 @@
           </a:bodyPr>
           <a:lstStyle/>
           <a:p>
-            <a:pPr indent="0" lvl="0" marL="0" rtl="0" algn="l">
-              <a:spcBef>
-                <a:spcPts val="0"/>
-              </a:spcBef>
-              <a:spcAft>
-                <a:spcPts val="0"/>
-              </a:spcAft>
-              <a:buNone/>
-            </a:pPr>
-            <a:r>
-              <a:t/>
-            </a:r>
-            <a:endParaRPr sz="2400"/>
-          </a:p>
-          <a:p>
             <a:pPr indent="-381000" lvl="0" marL="457200" rtl="0" algn="l">
               <a:spcBef>
-                <a:spcPts val="1600"/>
+                <a:spcPts val="0"/>
               </a:spcBef>
               <a:spcAft>
                 <a:spcPts val="0"/>
@@ -15918,7 +15443,7 @@
       </p:sp>
       <p:pic>
         <p:nvPicPr>
-          <p:cNvPr id="123" name="Google Shape;123;p17"/>
+          <p:cNvPr id="124" name="Google Shape;124;p17"/>
           <p:cNvPicPr preferRelativeResize="0"/>
           <p:nvPr/>
         </p:nvPicPr>
@@ -15944,6 +15469,161 @@
           </a:ln>
         </p:spPr>
       </p:pic>
+      <p:pic>
+        <p:nvPicPr>
+          <p:cNvPr id="125" name="Google Shape;125;p17"/>
+          <p:cNvPicPr preferRelativeResize="0"/>
+          <p:nvPr/>
+        </p:nvPicPr>
+        <p:blipFill>
+          <a:blip r:embed="rId4">
+            <a:alphaModFix/>
+          </a:blip>
+          <a:stretch>
+            <a:fillRect/>
+          </a:stretch>
+        </p:blipFill>
+        <p:spPr>
+          <a:xfrm>
+            <a:off x="6435050" y="3441725"/>
+            <a:ext cx="1104100" cy="1104100"/>
+          </a:xfrm>
+          <a:prstGeom prst="rect">
+            <a:avLst/>
+          </a:prstGeom>
+          <a:noFill/>
+          <a:ln>
+            <a:noFill/>
+          </a:ln>
+        </p:spPr>
+      </p:pic>
+      <p:pic>
+        <p:nvPicPr>
+          <p:cNvPr id="126" name="Google Shape;126;p17"/>
+          <p:cNvPicPr preferRelativeResize="0"/>
+          <p:nvPr/>
+        </p:nvPicPr>
+        <p:blipFill>
+          <a:blip r:embed="rId5">
+            <a:alphaModFix/>
+          </a:blip>
+          <a:stretch>
+            <a:fillRect/>
+          </a:stretch>
+        </p:blipFill>
+        <p:spPr>
+          <a:xfrm>
+            <a:off x="3051950" y="3530046"/>
+            <a:ext cx="927425" cy="927425"/>
+          </a:xfrm>
+          <a:prstGeom prst="rect">
+            <a:avLst/>
+          </a:prstGeom>
+          <a:noFill/>
+          <a:ln>
+            <a:noFill/>
+          </a:ln>
+        </p:spPr>
+      </p:pic>
+      <p:sp>
+        <p:nvSpPr>
+          <p:cNvPr id="127" name="Google Shape;127;p17"/>
+          <p:cNvSpPr txBox="1"/>
+          <p:nvPr/>
+        </p:nvSpPr>
+        <p:spPr>
+          <a:xfrm>
+            <a:off x="1925000" y="3675450"/>
+            <a:ext cx="1019700" cy="636600"/>
+          </a:xfrm>
+          <a:prstGeom prst="rect">
+            <a:avLst/>
+          </a:prstGeom>
+          <a:noFill/>
+          <a:ln>
+            <a:noFill/>
+          </a:ln>
+        </p:spPr>
+        <p:txBody>
+          <a:bodyPr anchorCtr="0" anchor="t" bIns="91425" lIns="91425" spcFirstLastPara="1" rIns="91425" wrap="square" tIns="91425">
+            <a:noAutofit/>
+          </a:bodyPr>
+          <a:lstStyle/>
+          <a:p>
+            <a:pPr indent="0" lvl="0" marL="0" rtl="0" algn="l">
+              <a:spcBef>
+                <a:spcPts val="0"/>
+              </a:spcBef>
+              <a:spcAft>
+                <a:spcPts val="0"/>
+              </a:spcAft>
+              <a:buNone/>
+            </a:pPr>
+            <a:r>
+              <a:rPr lang="en" sz="1800"/>
+              <a:t>Reddit</a:t>
+            </a:r>
+            <a:endParaRPr sz="1800"/>
+          </a:p>
+        </p:txBody>
+      </p:sp>
+      <p:sp>
+        <p:nvSpPr>
+          <p:cNvPr id="128" name="Google Shape;128;p17"/>
+          <p:cNvSpPr txBox="1"/>
+          <p:nvPr/>
+        </p:nvSpPr>
+        <p:spPr>
+          <a:xfrm>
+            <a:off x="5415350" y="3675450"/>
+            <a:ext cx="1019700" cy="636600"/>
+          </a:xfrm>
+          <a:prstGeom prst="rect">
+            <a:avLst/>
+          </a:prstGeom>
+          <a:noFill/>
+          <a:ln>
+            <a:noFill/>
+          </a:ln>
+        </p:spPr>
+        <p:txBody>
+          <a:bodyPr anchorCtr="0" anchor="t" bIns="91425" lIns="91425" spcFirstLastPara="1" rIns="91425" wrap="square" tIns="91425">
+            <a:noAutofit/>
+          </a:bodyPr>
+          <a:lstStyle/>
+          <a:p>
+            <a:pPr indent="0" lvl="0" marL="0" rtl="0" algn="l">
+              <a:spcBef>
+                <a:spcPts val="0"/>
+              </a:spcBef>
+              <a:spcAft>
+                <a:spcPts val="0"/>
+              </a:spcAft>
+              <a:buNone/>
+            </a:pPr>
+            <a:r>
+              <a:rPr lang="en" sz="1800"/>
+              <a:t>Dota2</a:t>
+            </a:r>
+            <a:endParaRPr sz="1800"/>
+          </a:p>
+          <a:p>
+            <a:pPr indent="0" lvl="0" marL="0" rtl="0" algn="l">
+              <a:spcBef>
+                <a:spcPts val="0"/>
+              </a:spcBef>
+              <a:spcAft>
+                <a:spcPts val="0"/>
+              </a:spcAft>
+              <a:buNone/>
+            </a:pPr>
+            <a:r>
+              <a:t/>
+            </a:r>
+            <a:endParaRPr/>
+          </a:p>
+        </p:txBody>
+      </p:sp>
     </p:spTree>
   </p:cSld>
   <p:clrMapOvr>
@@ -15957,7 +15637,7 @@
   <p:cSld>
     <p:spTree>
       <p:nvGrpSpPr>
-        <p:cNvPr id="127" name="Shape 127"/>
+        <p:cNvPr id="132" name="Shape 132"/>
         <p:cNvGrpSpPr/>
         <p:nvPr/>
       </p:nvGrpSpPr>
@@ -15971,7 +15651,7 @@
       </p:grpSpPr>
       <p:sp>
         <p:nvSpPr>
-          <p:cNvPr id="128" name="Google Shape;128;p18"/>
+          <p:cNvPr id="133" name="Google Shape;133;p18"/>
           <p:cNvSpPr txBox="1"/>
           <p:nvPr>
             <p:ph type="title"/>
@@ -16011,7 +15691,7 @@
       </p:sp>
       <p:sp>
         <p:nvSpPr>
-          <p:cNvPr id="129" name="Google Shape;129;p18"/>
+          <p:cNvPr id="134" name="Google Shape;134;p18"/>
           <p:cNvSpPr txBox="1"/>
           <p:nvPr>
             <p:ph idx="1" type="body"/>
@@ -16081,7 +15761,7 @@
       </p:sp>
       <p:pic>
         <p:nvPicPr>
-          <p:cNvPr id="130" name="Google Shape;130;p18"/>
+          <p:cNvPr id="135" name="Google Shape;135;p18"/>
           <p:cNvPicPr preferRelativeResize="0"/>
           <p:nvPr/>
         </p:nvPicPr>
@@ -16109,7 +15789,7 @@
       </p:pic>
       <p:pic>
         <p:nvPicPr>
-          <p:cNvPr id="131" name="Google Shape;131;p18"/>
+          <p:cNvPr id="136" name="Google Shape;136;p18"/>
           <p:cNvPicPr preferRelativeResize="0"/>
           <p:nvPr/>
         </p:nvPicPr>
@@ -16148,7 +15828,7 @@
   <p:cSld>
     <p:spTree>
       <p:nvGrpSpPr>
-        <p:cNvPr id="135" name="Shape 135"/>
+        <p:cNvPr id="140" name="Shape 140"/>
         <p:cNvGrpSpPr/>
         <p:nvPr/>
       </p:nvGrpSpPr>
@@ -16162,7 +15842,7 @@
       </p:grpSpPr>
       <p:sp>
         <p:nvSpPr>
-          <p:cNvPr id="136" name="Google Shape;136;p19"/>
+          <p:cNvPr id="141" name="Google Shape;141;p19"/>
           <p:cNvSpPr txBox="1"/>
           <p:nvPr>
             <p:ph type="title"/>
@@ -16201,7 +15881,7 @@
       </p:sp>
       <p:sp>
         <p:nvSpPr>
-          <p:cNvPr id="137" name="Google Shape;137;p19"/>
+          <p:cNvPr id="142" name="Google Shape;142;p19"/>
           <p:cNvSpPr txBox="1"/>
           <p:nvPr>
             <p:ph idx="1" type="body"/>
@@ -16271,7 +15951,7 @@
       </p:sp>
       <p:pic>
         <p:nvPicPr>
-          <p:cNvPr id="138" name="Google Shape;138;p19"/>
+          <p:cNvPr id="143" name="Google Shape;143;p19"/>
           <p:cNvPicPr preferRelativeResize="0"/>
           <p:nvPr/>
         </p:nvPicPr>
@@ -16299,7 +15979,7 @@
       </p:pic>
       <p:pic>
         <p:nvPicPr>
-          <p:cNvPr id="139" name="Google Shape;139;p19"/>
+          <p:cNvPr id="144" name="Google Shape;144;p19"/>
           <p:cNvPicPr preferRelativeResize="0"/>
           <p:nvPr/>
         </p:nvPicPr>
@@ -16338,7 +16018,7 @@
   <p:cSld>
     <p:spTree>
       <p:nvGrpSpPr>
-        <p:cNvPr id="143" name="Shape 143"/>
+        <p:cNvPr id="148" name="Shape 148"/>
         <p:cNvGrpSpPr/>
         <p:nvPr/>
       </p:nvGrpSpPr>
@@ -16352,7 +16032,7 @@
       </p:grpSpPr>
       <p:sp>
         <p:nvSpPr>
-          <p:cNvPr id="144" name="Google Shape;144;p20"/>
+          <p:cNvPr id="149" name="Google Shape;149;p20"/>
           <p:cNvSpPr txBox="1"/>
           <p:nvPr>
             <p:ph type="title"/>
@@ -16392,7 +16072,7 @@
       </p:sp>
       <p:sp>
         <p:nvSpPr>
-          <p:cNvPr id="145" name="Google Shape;145;p20"/>
+          <p:cNvPr id="150" name="Google Shape;150;p20"/>
           <p:cNvSpPr txBox="1"/>
           <p:nvPr>
             <p:ph idx="1" type="body"/>
@@ -16462,7 +16142,7 @@
       </p:sp>
       <p:pic>
         <p:nvPicPr>
-          <p:cNvPr id="146" name="Google Shape;146;p20"/>
+          <p:cNvPr id="151" name="Google Shape;151;p20"/>
           <p:cNvPicPr preferRelativeResize="0"/>
           <p:nvPr/>
         </p:nvPicPr>
@@ -16490,7 +16170,7 @@
       </p:pic>
       <p:pic>
         <p:nvPicPr>
-          <p:cNvPr id="147" name="Google Shape;147;p20"/>
+          <p:cNvPr id="152" name="Google Shape;152;p20"/>
           <p:cNvPicPr preferRelativeResize="0"/>
           <p:nvPr/>
         </p:nvPicPr>
@@ -16529,7 +16209,7 @@
   <p:cSld>
     <p:spTree>
       <p:nvGrpSpPr>
-        <p:cNvPr id="151" name="Shape 151"/>
+        <p:cNvPr id="156" name="Shape 156"/>
         <p:cNvGrpSpPr/>
         <p:nvPr/>
       </p:nvGrpSpPr>
@@ -16543,7 +16223,7 @@
       </p:grpSpPr>
       <p:sp>
         <p:nvSpPr>
-          <p:cNvPr id="152" name="Google Shape;152;p21"/>
+          <p:cNvPr id="157" name="Google Shape;157;p21"/>
           <p:cNvSpPr txBox="1"/>
           <p:nvPr>
             <p:ph type="title"/>
@@ -16587,7 +16267,7 @@
       </p:sp>
       <p:sp>
         <p:nvSpPr>
-          <p:cNvPr id="153" name="Google Shape;153;p21"/>
+          <p:cNvPr id="158" name="Google Shape;158;p21"/>
           <p:cNvSpPr txBox="1"/>
           <p:nvPr>
             <p:ph idx="1" type="body"/>
@@ -16725,7 +16405,7 @@
       </p:sp>
       <p:pic>
         <p:nvPicPr>
-          <p:cNvPr id="154" name="Google Shape;154;p21"/>
+          <p:cNvPr id="159" name="Google Shape;159;p21"/>
           <p:cNvPicPr preferRelativeResize="0"/>
           <p:nvPr/>
         </p:nvPicPr>
